--- a/chrome/art/Presentation1.pptx
+++ b/chrome/art/Presentation1.pptx
@@ -290,7 +290,7 @@
             <a:fld id="{D2EE61F1-8B0D-48C5-AAEC-2EA846F07988}" type="datetimeFigureOut">
               <a:rPr lang="en-US" smtClean="0"/>
               <a:pPr/>
-              <a:t>8/5/2015</a:t>
+              <a:t>8/26/2015</a:t>
             </a:fld>
             <a:endParaRPr lang="en-US"/>
           </a:p>
@@ -457,7 +457,7 @@
             <a:fld id="{D2EE61F1-8B0D-48C5-AAEC-2EA846F07988}" type="datetimeFigureOut">
               <a:rPr lang="en-US" smtClean="0"/>
               <a:pPr/>
-              <a:t>8/5/2015</a:t>
+              <a:t>8/26/2015</a:t>
             </a:fld>
             <a:endParaRPr lang="en-US"/>
           </a:p>
@@ -634,7 +634,7 @@
             <a:fld id="{D2EE61F1-8B0D-48C5-AAEC-2EA846F07988}" type="datetimeFigureOut">
               <a:rPr lang="en-US" smtClean="0"/>
               <a:pPr/>
-              <a:t>8/5/2015</a:t>
+              <a:t>8/26/2015</a:t>
             </a:fld>
             <a:endParaRPr lang="en-US"/>
           </a:p>
@@ -801,7 +801,7 @@
             <a:fld id="{D2EE61F1-8B0D-48C5-AAEC-2EA846F07988}" type="datetimeFigureOut">
               <a:rPr lang="en-US" smtClean="0"/>
               <a:pPr/>
-              <a:t>8/5/2015</a:t>
+              <a:t>8/26/2015</a:t>
             </a:fld>
             <a:endParaRPr lang="en-US"/>
           </a:p>
@@ -1044,7 +1044,7 @@
             <a:fld id="{D2EE61F1-8B0D-48C5-AAEC-2EA846F07988}" type="datetimeFigureOut">
               <a:rPr lang="en-US" smtClean="0"/>
               <a:pPr/>
-              <a:t>8/5/2015</a:t>
+              <a:t>8/26/2015</a:t>
             </a:fld>
             <a:endParaRPr lang="en-US"/>
           </a:p>
@@ -1329,7 +1329,7 @@
             <a:fld id="{D2EE61F1-8B0D-48C5-AAEC-2EA846F07988}" type="datetimeFigureOut">
               <a:rPr lang="en-US" smtClean="0"/>
               <a:pPr/>
-              <a:t>8/5/2015</a:t>
+              <a:t>8/26/2015</a:t>
             </a:fld>
             <a:endParaRPr lang="en-US"/>
           </a:p>
@@ -1748,7 +1748,7 @@
             <a:fld id="{D2EE61F1-8B0D-48C5-AAEC-2EA846F07988}" type="datetimeFigureOut">
               <a:rPr lang="en-US" smtClean="0"/>
               <a:pPr/>
-              <a:t>8/5/2015</a:t>
+              <a:t>8/26/2015</a:t>
             </a:fld>
             <a:endParaRPr lang="en-US"/>
           </a:p>
@@ -1863,7 +1863,7 @@
             <a:fld id="{D2EE61F1-8B0D-48C5-AAEC-2EA846F07988}" type="datetimeFigureOut">
               <a:rPr lang="en-US" smtClean="0"/>
               <a:pPr/>
-              <a:t>8/5/2015</a:t>
+              <a:t>8/26/2015</a:t>
             </a:fld>
             <a:endParaRPr lang="en-US"/>
           </a:p>
@@ -1955,7 +1955,7 @@
             <a:fld id="{D2EE61F1-8B0D-48C5-AAEC-2EA846F07988}" type="datetimeFigureOut">
               <a:rPr lang="en-US" smtClean="0"/>
               <a:pPr/>
-              <a:t>8/5/2015</a:t>
+              <a:t>8/26/2015</a:t>
             </a:fld>
             <a:endParaRPr lang="en-US"/>
           </a:p>
@@ -2229,7 +2229,7 @@
             <a:fld id="{D2EE61F1-8B0D-48C5-AAEC-2EA846F07988}" type="datetimeFigureOut">
               <a:rPr lang="en-US" smtClean="0"/>
               <a:pPr/>
-              <a:t>8/5/2015</a:t>
+              <a:t>8/26/2015</a:t>
             </a:fld>
             <a:endParaRPr lang="en-US"/>
           </a:p>
@@ -2479,7 +2479,7 @@
             <a:fld id="{D2EE61F1-8B0D-48C5-AAEC-2EA846F07988}" type="datetimeFigureOut">
               <a:rPr lang="en-US" smtClean="0"/>
               <a:pPr/>
-              <a:t>8/5/2015</a:t>
+              <a:t>8/26/2015</a:t>
             </a:fld>
             <a:endParaRPr lang="en-US"/>
           </a:p>
@@ -2689,7 +2689,7 @@
             <a:fld id="{D2EE61F1-8B0D-48C5-AAEC-2EA846F07988}" type="datetimeFigureOut">
               <a:rPr lang="en-US" smtClean="0"/>
               <a:pPr/>
-              <a:t>8/5/2015</a:t>
+              <a:t>8/26/2015</a:t>
             </a:fld>
             <a:endParaRPr lang="en-US"/>
           </a:p>
@@ -5186,20 +5186,20 @@
       </p:grpSp>
       <p:sp>
         <p:nvSpPr>
-          <p:cNvPr id="57" name="Oval 56"/>
+          <p:cNvPr id="57" name="Up Arrow Callout 56"/>
           <p:cNvSpPr/>
           <p:nvPr/>
         </p:nvSpPr>
         <p:spPr>
           <a:xfrm>
-            <a:off x="914400" y="4114800"/>
-            <a:ext cx="1905000" cy="1981200"/>
+            <a:off x="914400" y="3505200"/>
+            <a:ext cx="1905000" cy="2514600"/>
           </a:xfrm>
-          <a:prstGeom prst="ellipse">
+          <a:prstGeom prst="upArrowCallout">
             <a:avLst/>
           </a:prstGeom>
           <a:solidFill>
-            <a:srgbClr val="00B050"/>
+            <a:srgbClr val="004821"/>
           </a:solidFill>
           <a:ln/>
         </p:spPr>
@@ -5243,7 +5243,7 @@
         </p:blipFill>
         <p:spPr bwMode="auto">
           <a:xfrm rot="244342">
-            <a:off x="1676400" y="4800600"/>
+            <a:off x="1676400" y="4267200"/>
             <a:ext cx="381000" cy="349037"/>
           </a:xfrm>
           <a:prstGeom prst="rect">
@@ -5260,7 +5260,7 @@
         </p:nvSpPr>
         <p:spPr>
           <a:xfrm rot="907532">
-            <a:off x="1295400" y="4267200"/>
+            <a:off x="1295400" y="3733800"/>
             <a:ext cx="1179871" cy="1664110"/>
           </a:xfrm>
           <a:custGeom>
@@ -5930,6 +5930,42 @@
           </a:p>
         </p:txBody>
       </p:sp>
+      <p:pic>
+        <p:nvPicPr>
+          <p:cNvPr id="1026" name="Picture 2" descr="C:\Users\hutchuk\AppData\Local\Microsoft\Windows\Temporary Internet Files\Content.IE5\MAKAVNE5\large-cancel-close-button-166.6-10442[1].gif"/>
+          <p:cNvPicPr>
+            <a:picLocks noChangeAspect="1" noChangeArrowheads="1"/>
+          </p:cNvPicPr>
+          <p:nvPr/>
+        </p:nvPicPr>
+        <p:blipFill>
+          <a:blip r:embed="rId3" cstate="print">
+            <a:duotone>
+              <a:prstClr val="black"/>
+              <a:schemeClr val="accent2">
+                <a:lumMod val="20000"/>
+                <a:lumOff val="80000"/>
+                <a:tint val="45000"/>
+                <a:satMod val="400000"/>
+              </a:schemeClr>
+            </a:duotone>
+          </a:blip>
+          <a:srcRect/>
+          <a:stretch>
+            <a:fillRect/>
+          </a:stretch>
+        </p:blipFill>
+        <p:spPr bwMode="auto">
+          <a:xfrm>
+            <a:off x="7086600" y="4267200"/>
+            <a:ext cx="360000" cy="360000"/>
+          </a:xfrm>
+          <a:prstGeom prst="rect">
+            <a:avLst/>
+          </a:prstGeom>
+          <a:noFill/>
+        </p:spPr>
+      </p:pic>
     </p:spTree>
   </p:cSld>
   <p:clrMapOvr>

--- a/chrome/art/Presentation1.pptx
+++ b/chrome/art/Presentation1.pptx
@@ -290,7 +290,7 @@
             <a:fld id="{D2EE61F1-8B0D-48C5-AAEC-2EA846F07988}" type="datetimeFigureOut">
               <a:rPr lang="en-US" smtClean="0"/>
               <a:pPr/>
-              <a:t>8/26/2015</a:t>
+              <a:t>9/21/2015</a:t>
             </a:fld>
             <a:endParaRPr lang="en-US"/>
           </a:p>
@@ -457,7 +457,7 @@
             <a:fld id="{D2EE61F1-8B0D-48C5-AAEC-2EA846F07988}" type="datetimeFigureOut">
               <a:rPr lang="en-US" smtClean="0"/>
               <a:pPr/>
-              <a:t>8/26/2015</a:t>
+              <a:t>9/21/2015</a:t>
             </a:fld>
             <a:endParaRPr lang="en-US"/>
           </a:p>
@@ -634,7 +634,7 @@
             <a:fld id="{D2EE61F1-8B0D-48C5-AAEC-2EA846F07988}" type="datetimeFigureOut">
               <a:rPr lang="en-US" smtClean="0"/>
               <a:pPr/>
-              <a:t>8/26/2015</a:t>
+              <a:t>9/21/2015</a:t>
             </a:fld>
             <a:endParaRPr lang="en-US"/>
           </a:p>
@@ -801,7 +801,7 @@
             <a:fld id="{D2EE61F1-8B0D-48C5-AAEC-2EA846F07988}" type="datetimeFigureOut">
               <a:rPr lang="en-US" smtClean="0"/>
               <a:pPr/>
-              <a:t>8/26/2015</a:t>
+              <a:t>9/21/2015</a:t>
             </a:fld>
             <a:endParaRPr lang="en-US"/>
           </a:p>
@@ -1044,7 +1044,7 @@
             <a:fld id="{D2EE61F1-8B0D-48C5-AAEC-2EA846F07988}" type="datetimeFigureOut">
               <a:rPr lang="en-US" smtClean="0"/>
               <a:pPr/>
-              <a:t>8/26/2015</a:t>
+              <a:t>9/21/2015</a:t>
             </a:fld>
             <a:endParaRPr lang="en-US"/>
           </a:p>
@@ -1329,7 +1329,7 @@
             <a:fld id="{D2EE61F1-8B0D-48C5-AAEC-2EA846F07988}" type="datetimeFigureOut">
               <a:rPr lang="en-US" smtClean="0"/>
               <a:pPr/>
-              <a:t>8/26/2015</a:t>
+              <a:t>9/21/2015</a:t>
             </a:fld>
             <a:endParaRPr lang="en-US"/>
           </a:p>
@@ -1748,7 +1748,7 @@
             <a:fld id="{D2EE61F1-8B0D-48C5-AAEC-2EA846F07988}" type="datetimeFigureOut">
               <a:rPr lang="en-US" smtClean="0"/>
               <a:pPr/>
-              <a:t>8/26/2015</a:t>
+              <a:t>9/21/2015</a:t>
             </a:fld>
             <a:endParaRPr lang="en-US"/>
           </a:p>
@@ -1863,7 +1863,7 @@
             <a:fld id="{D2EE61F1-8B0D-48C5-AAEC-2EA846F07988}" type="datetimeFigureOut">
               <a:rPr lang="en-US" smtClean="0"/>
               <a:pPr/>
-              <a:t>8/26/2015</a:t>
+              <a:t>9/21/2015</a:t>
             </a:fld>
             <a:endParaRPr lang="en-US"/>
           </a:p>
@@ -1955,7 +1955,7 @@
             <a:fld id="{D2EE61F1-8B0D-48C5-AAEC-2EA846F07988}" type="datetimeFigureOut">
               <a:rPr lang="en-US" smtClean="0"/>
               <a:pPr/>
-              <a:t>8/26/2015</a:t>
+              <a:t>9/21/2015</a:t>
             </a:fld>
             <a:endParaRPr lang="en-US"/>
           </a:p>
@@ -2229,7 +2229,7 @@
             <a:fld id="{D2EE61F1-8B0D-48C5-AAEC-2EA846F07988}" type="datetimeFigureOut">
               <a:rPr lang="en-US" smtClean="0"/>
               <a:pPr/>
-              <a:t>8/26/2015</a:t>
+              <a:t>9/21/2015</a:t>
             </a:fld>
             <a:endParaRPr lang="en-US"/>
           </a:p>
@@ -2479,7 +2479,7 @@
             <a:fld id="{D2EE61F1-8B0D-48C5-AAEC-2EA846F07988}" type="datetimeFigureOut">
               <a:rPr lang="en-US" smtClean="0"/>
               <a:pPr/>
-              <a:t>8/26/2015</a:t>
+              <a:t>9/21/2015</a:t>
             </a:fld>
             <a:endParaRPr lang="en-US"/>
           </a:p>
@@ -2689,7 +2689,7 @@
             <a:fld id="{D2EE61F1-8B0D-48C5-AAEC-2EA846F07988}" type="datetimeFigureOut">
               <a:rPr lang="en-US" smtClean="0"/>
               <a:pPr/>
-              <a:t>8/26/2015</a:t>
+              <a:t>9/21/2015</a:t>
             </a:fld>
             <a:endParaRPr lang="en-US"/>
           </a:p>
@@ -4010,261 +4010,62 @@
           </p:txBody>
         </p:sp>
       </p:grpSp>
+      <p:sp>
+        <p:nvSpPr>
+          <p:cNvPr id="12" name="Oval 11"/>
+          <p:cNvSpPr/>
+          <p:nvPr/>
+        </p:nvSpPr>
+        <p:spPr>
+          <a:xfrm>
+            <a:off x="990600" y="1371600"/>
+            <a:ext cx="1905000" cy="1981200"/>
+          </a:xfrm>
+          <a:prstGeom prst="ellipse">
+            <a:avLst/>
+          </a:prstGeom>
+          <a:ln/>
+        </p:spPr>
+        <p:style>
+          <a:lnRef idx="3">
+            <a:schemeClr val="lt1"/>
+          </a:lnRef>
+          <a:fillRef idx="1">
+            <a:schemeClr val="accent1"/>
+          </a:fillRef>
+          <a:effectRef idx="1">
+            <a:schemeClr val="accent1"/>
+          </a:effectRef>
+          <a:fontRef idx="minor">
+            <a:schemeClr val="lt1"/>
+          </a:fontRef>
+        </p:style>
+        <p:txBody>
+          <a:bodyPr rtlCol="0" anchor="ctr"/>
+          <a:lstStyle/>
+          <a:p>
+            <a:pPr algn="ctr"/>
+            <a:endParaRPr lang="en-US"/>
+          </a:p>
+        </p:txBody>
+      </p:sp>
       <p:grpSp>
         <p:nvGrpSpPr>
-          <p:cNvPr id="42" name="Group 41"/>
+          <p:cNvPr id="36" name="Group 35"/>
           <p:cNvGrpSpPr/>
           <p:nvPr/>
         </p:nvGrpSpPr>
         <p:grpSpPr>
           <a:xfrm>
-            <a:off x="990600" y="1371600"/>
-            <a:ext cx="1905000" cy="1981200"/>
-            <a:chOff x="990600" y="1371600"/>
-            <a:chExt cx="1905000" cy="1981200"/>
+            <a:off x="1371600" y="1524000"/>
+            <a:ext cx="1179871" cy="1664110"/>
+            <a:chOff x="5257800" y="3810000"/>
+            <a:chExt cx="1179871" cy="1664110"/>
           </a:xfrm>
         </p:grpSpPr>
-        <p:sp>
-          <p:nvSpPr>
-            <p:cNvPr id="12" name="Oval 11"/>
-            <p:cNvSpPr/>
-            <p:nvPr/>
-          </p:nvSpPr>
-          <p:spPr>
-            <a:xfrm>
-              <a:off x="990600" y="1371600"/>
-              <a:ext cx="1905000" cy="1981200"/>
-            </a:xfrm>
-            <a:prstGeom prst="ellipse">
-              <a:avLst/>
-            </a:prstGeom>
-            <a:ln/>
-          </p:spPr>
-          <p:style>
-            <a:lnRef idx="3">
-              <a:schemeClr val="lt1"/>
-            </a:lnRef>
-            <a:fillRef idx="1">
-              <a:schemeClr val="accent1"/>
-            </a:fillRef>
-            <a:effectRef idx="1">
-              <a:schemeClr val="accent1"/>
-            </a:effectRef>
-            <a:fontRef idx="minor">
-              <a:schemeClr val="lt1"/>
-            </a:fontRef>
-          </p:style>
-          <p:txBody>
-            <a:bodyPr rtlCol="0" anchor="ctr"/>
-            <a:lstStyle/>
-            <a:p>
-              <a:pPr algn="ctr"/>
-              <a:endParaRPr lang="en-US"/>
-            </a:p>
-          </p:txBody>
-        </p:sp>
-        <p:grpSp>
-          <p:nvGrpSpPr>
-            <p:cNvPr id="36" name="Group 35"/>
-            <p:cNvGrpSpPr/>
-            <p:nvPr/>
-          </p:nvGrpSpPr>
-          <p:grpSpPr>
-            <a:xfrm>
-              <a:off x="1371600" y="1524000"/>
-              <a:ext cx="1179871" cy="1664110"/>
-              <a:chOff x="5257800" y="3810000"/>
-              <a:chExt cx="1179871" cy="1664110"/>
-            </a:xfrm>
-          </p:grpSpPr>
-          <p:pic>
-            <p:nvPicPr>
-              <p:cNvPr id="1032" name="Picture 8" descr="C:\Users\hutchuk\AppData\Local\Microsoft\Windows\Temporary Internet Files\Content.IE5\MAKAVNE5\angry-cartoon-eyes-md[1].png"/>
-              <p:cNvPicPr>
-                <a:picLocks noChangeAspect="1" noChangeArrowheads="1"/>
-              </p:cNvPicPr>
-              <p:nvPr/>
-            </p:nvPicPr>
-            <p:blipFill>
-              <a:blip r:embed="rId3" cstate="print"/>
-              <a:srcRect/>
-              <a:stretch>
-                <a:fillRect/>
-              </a:stretch>
-            </p:blipFill>
-            <p:spPr bwMode="auto">
-              <a:xfrm>
-                <a:off x="5638800" y="4343400"/>
-                <a:ext cx="381000" cy="349037"/>
-              </a:xfrm>
-              <a:prstGeom prst="rect">
-                <a:avLst/>
-              </a:prstGeom>
-              <a:noFill/>
-            </p:spPr>
-          </p:pic>
-          <p:sp>
-            <p:nvSpPr>
-              <p:cNvPr id="35" name="Freeform 34"/>
-              <p:cNvSpPr/>
-              <p:nvPr/>
-            </p:nvSpPr>
-            <p:spPr>
-              <a:xfrm rot="907532">
-                <a:off x="5257800" y="3810000"/>
-                <a:ext cx="1179871" cy="1664110"/>
-              </a:xfrm>
-              <a:custGeom>
-                <a:avLst/>
-                <a:gdLst>
-                  <a:gd name="connsiteX0" fmla="*/ 1179871 w 1179871"/>
-                  <a:gd name="connsiteY0" fmla="*/ 744794 h 1664110"/>
-                  <a:gd name="connsiteX1" fmla="*/ 1032387 w 1179871"/>
-                  <a:gd name="connsiteY1" fmla="*/ 1216742 h 1664110"/>
-                  <a:gd name="connsiteX2" fmla="*/ 412954 w 1179871"/>
-                  <a:gd name="connsiteY2" fmla="*/ 36871 h 1664110"/>
-                  <a:gd name="connsiteX3" fmla="*/ 265471 w 1179871"/>
-                  <a:gd name="connsiteY3" fmla="*/ 1437968 h 1664110"/>
-                  <a:gd name="connsiteX4" fmla="*/ 0 w 1179871"/>
-                  <a:gd name="connsiteY4" fmla="*/ 1393723 h 1664110"/>
-                </a:gdLst>
-                <a:ahLst/>
-                <a:cxnLst>
-                  <a:cxn ang="0">
-                    <a:pos x="connsiteX0" y="connsiteY0"/>
-                  </a:cxn>
-                  <a:cxn ang="0">
-                    <a:pos x="connsiteX1" y="connsiteY1"/>
-                  </a:cxn>
-                  <a:cxn ang="0">
-                    <a:pos x="connsiteX2" y="connsiteY2"/>
-                  </a:cxn>
-                  <a:cxn ang="0">
-                    <a:pos x="connsiteX3" y="connsiteY3"/>
-                  </a:cxn>
-                  <a:cxn ang="0">
-                    <a:pos x="connsiteX4" y="connsiteY4"/>
-                  </a:cxn>
-                </a:cxnLst>
-                <a:rect l="l" t="t" r="r" b="b"/>
-                <a:pathLst>
-                  <a:path w="1179871" h="1664110">
-                    <a:moveTo>
-                      <a:pt x="1179871" y="744794"/>
-                    </a:moveTo>
-                    <a:cubicBezTo>
-                      <a:pt x="1170038" y="1039761"/>
-                      <a:pt x="1160206" y="1334729"/>
-                      <a:pt x="1032387" y="1216742"/>
-                    </a:cubicBezTo>
-                    <a:cubicBezTo>
-                      <a:pt x="904568" y="1098755"/>
-                      <a:pt x="540773" y="0"/>
-                      <a:pt x="412954" y="36871"/>
-                    </a:cubicBezTo>
-                    <a:cubicBezTo>
-                      <a:pt x="285135" y="73742"/>
-                      <a:pt x="334297" y="1211826"/>
-                      <a:pt x="265471" y="1437968"/>
-                    </a:cubicBezTo>
-                    <a:cubicBezTo>
-                      <a:pt x="196645" y="1664110"/>
-                      <a:pt x="98322" y="1528916"/>
-                      <a:pt x="0" y="1393723"/>
-                    </a:cubicBezTo>
-                  </a:path>
-                </a:pathLst>
-              </a:custGeom>
-              <a:ln w="76200">
-                <a:solidFill>
-                  <a:schemeClr val="tx1"/>
-                </a:solidFill>
-                <a:prstDash val="solid"/>
-                <a:headEnd type="triangle" w="med" len="med"/>
-                <a:tailEnd type="none" w="med" len="med"/>
-              </a:ln>
-            </p:spPr>
-            <p:style>
-              <a:lnRef idx="1">
-                <a:schemeClr val="accent1"/>
-              </a:lnRef>
-              <a:fillRef idx="0">
-                <a:schemeClr val="accent1"/>
-              </a:fillRef>
-              <a:effectRef idx="0">
-                <a:schemeClr val="accent1"/>
-              </a:effectRef>
-              <a:fontRef idx="minor">
-                <a:schemeClr val="tx1"/>
-              </a:fontRef>
-            </p:style>
-            <p:txBody>
-              <a:bodyPr rtlCol="0" anchor="ctr"/>
-              <a:lstStyle/>
-              <a:p>
-                <a:pPr algn="ctr"/>
-                <a:endParaRPr lang="en-US"/>
-              </a:p>
-            </p:txBody>
-          </p:sp>
-        </p:grpSp>
-      </p:grpSp>
-      <p:grpSp>
-        <p:nvGrpSpPr>
-          <p:cNvPr id="52" name="Group 51"/>
-          <p:cNvGrpSpPr/>
-          <p:nvPr/>
-        </p:nvGrpSpPr>
-        <p:grpSpPr>
-          <a:xfrm>
-            <a:off x="5867400" y="1371600"/>
-            <a:ext cx="1905000" cy="1981200"/>
-            <a:chOff x="5867400" y="1371600"/>
-            <a:chExt cx="1905000" cy="1981200"/>
-          </a:xfrm>
-        </p:grpSpPr>
-        <p:sp>
-          <p:nvSpPr>
-            <p:cNvPr id="44" name="Oval 43"/>
-            <p:cNvSpPr/>
-            <p:nvPr/>
-          </p:nvSpPr>
-          <p:spPr>
-            <a:xfrm>
-              <a:off x="5867400" y="1371600"/>
-              <a:ext cx="1905000" cy="1981200"/>
-            </a:xfrm>
-            <a:prstGeom prst="ellipse">
-              <a:avLst/>
-            </a:prstGeom>
-            <a:ln/>
-          </p:spPr>
-          <p:style>
-            <a:lnRef idx="0">
-              <a:schemeClr val="accent6"/>
-            </a:lnRef>
-            <a:fillRef idx="3">
-              <a:schemeClr val="accent6"/>
-            </a:fillRef>
-            <a:effectRef idx="3">
-              <a:schemeClr val="accent6"/>
-            </a:effectRef>
-            <a:fontRef idx="minor">
-              <a:schemeClr val="lt1"/>
-            </a:fontRef>
-          </p:style>
-          <p:txBody>
-            <a:bodyPr rtlCol="0" anchor="ctr"/>
-            <a:lstStyle/>
-            <a:p>
-              <a:pPr algn="ctr"/>
-              <a:endParaRPr lang="en-US"/>
-            </a:p>
-          </p:txBody>
-        </p:sp>
         <p:pic>
           <p:nvPicPr>
-            <p:cNvPr id="46" name="Picture 8" descr="C:\Users\hutchuk\AppData\Local\Microsoft\Windows\Temporary Internet Files\Content.IE5\MAKAVNE5\angry-cartoon-eyes-md[1].png"/>
+            <p:cNvPr id="1032" name="Picture 8" descr="C:\Users\hutchuk\AppData\Local\Microsoft\Windows\Temporary Internet Files\Content.IE5\MAKAVNE5\angry-cartoon-eyes-md[1].png"/>
             <p:cNvPicPr>
               <a:picLocks noChangeAspect="1" noChangeArrowheads="1"/>
             </p:cNvPicPr>
@@ -4278,8 +4079,8 @@
             </a:stretch>
           </p:blipFill>
           <p:spPr bwMode="auto">
-            <a:xfrm rot="244342">
-              <a:off x="6629400" y="2057400"/>
+            <a:xfrm>
+              <a:off x="5638800" y="4343400"/>
               <a:ext cx="381000" cy="349037"/>
             </a:xfrm>
             <a:prstGeom prst="rect">
@@ -4290,13 +4091,13 @@
         </p:pic>
         <p:sp>
           <p:nvSpPr>
-            <p:cNvPr id="47" name="Freeform 46"/>
+            <p:cNvPr id="35" name="Freeform 34"/>
             <p:cNvSpPr/>
             <p:nvPr/>
           </p:nvSpPr>
           <p:spPr>
             <a:xfrm rot="907532">
-              <a:off x="6248400" y="1524000"/>
+              <a:off x="5257800" y="3810000"/>
               <a:ext cx="1179871" cy="1664110"/>
             </a:xfrm>
             <a:custGeom>
@@ -4393,6 +4194,175 @@
           </p:txBody>
         </p:sp>
       </p:grpSp>
+      <p:sp>
+        <p:nvSpPr>
+          <p:cNvPr id="44" name="Oval 43"/>
+          <p:cNvSpPr/>
+          <p:nvPr/>
+        </p:nvSpPr>
+        <p:spPr>
+          <a:xfrm>
+            <a:off x="5867400" y="1371600"/>
+            <a:ext cx="1905000" cy="1981200"/>
+          </a:xfrm>
+          <a:prstGeom prst="ellipse">
+            <a:avLst/>
+          </a:prstGeom>
+          <a:ln/>
+        </p:spPr>
+        <p:style>
+          <a:lnRef idx="0">
+            <a:schemeClr val="accent6"/>
+          </a:lnRef>
+          <a:fillRef idx="3">
+            <a:schemeClr val="accent6"/>
+          </a:fillRef>
+          <a:effectRef idx="3">
+            <a:schemeClr val="accent6"/>
+          </a:effectRef>
+          <a:fontRef idx="minor">
+            <a:schemeClr val="lt1"/>
+          </a:fontRef>
+        </p:style>
+        <p:txBody>
+          <a:bodyPr rtlCol="0" anchor="ctr"/>
+          <a:lstStyle/>
+          <a:p>
+            <a:pPr algn="ctr"/>
+            <a:endParaRPr lang="en-US"/>
+          </a:p>
+        </p:txBody>
+      </p:sp>
+      <p:pic>
+        <p:nvPicPr>
+          <p:cNvPr id="46" name="Picture 8" descr="C:\Users\hutchuk\AppData\Local\Microsoft\Windows\Temporary Internet Files\Content.IE5\MAKAVNE5\angry-cartoon-eyes-md[1].png"/>
+          <p:cNvPicPr>
+            <a:picLocks noChangeAspect="1" noChangeArrowheads="1"/>
+          </p:cNvPicPr>
+          <p:nvPr/>
+        </p:nvPicPr>
+        <p:blipFill>
+          <a:blip r:embed="rId3" cstate="print"/>
+          <a:srcRect/>
+          <a:stretch>
+            <a:fillRect/>
+          </a:stretch>
+        </p:blipFill>
+        <p:spPr bwMode="auto">
+          <a:xfrm rot="244342">
+            <a:off x="6629400" y="2057400"/>
+            <a:ext cx="381000" cy="349037"/>
+          </a:xfrm>
+          <a:prstGeom prst="rect">
+            <a:avLst/>
+          </a:prstGeom>
+          <a:noFill/>
+        </p:spPr>
+      </p:pic>
+      <p:sp>
+        <p:nvSpPr>
+          <p:cNvPr id="47" name="Freeform 46"/>
+          <p:cNvSpPr/>
+          <p:nvPr/>
+        </p:nvSpPr>
+        <p:spPr>
+          <a:xfrm rot="907532">
+            <a:off x="6248400" y="1524000"/>
+            <a:ext cx="1179871" cy="1664110"/>
+          </a:xfrm>
+          <a:custGeom>
+            <a:avLst/>
+            <a:gdLst>
+              <a:gd name="connsiteX0" fmla="*/ 1179871 w 1179871"/>
+              <a:gd name="connsiteY0" fmla="*/ 744794 h 1664110"/>
+              <a:gd name="connsiteX1" fmla="*/ 1032387 w 1179871"/>
+              <a:gd name="connsiteY1" fmla="*/ 1216742 h 1664110"/>
+              <a:gd name="connsiteX2" fmla="*/ 412954 w 1179871"/>
+              <a:gd name="connsiteY2" fmla="*/ 36871 h 1664110"/>
+              <a:gd name="connsiteX3" fmla="*/ 265471 w 1179871"/>
+              <a:gd name="connsiteY3" fmla="*/ 1437968 h 1664110"/>
+              <a:gd name="connsiteX4" fmla="*/ 0 w 1179871"/>
+              <a:gd name="connsiteY4" fmla="*/ 1393723 h 1664110"/>
+            </a:gdLst>
+            <a:ahLst/>
+            <a:cxnLst>
+              <a:cxn ang="0">
+                <a:pos x="connsiteX0" y="connsiteY0"/>
+              </a:cxn>
+              <a:cxn ang="0">
+                <a:pos x="connsiteX1" y="connsiteY1"/>
+              </a:cxn>
+              <a:cxn ang="0">
+                <a:pos x="connsiteX2" y="connsiteY2"/>
+              </a:cxn>
+              <a:cxn ang="0">
+                <a:pos x="connsiteX3" y="connsiteY3"/>
+              </a:cxn>
+              <a:cxn ang="0">
+                <a:pos x="connsiteX4" y="connsiteY4"/>
+              </a:cxn>
+            </a:cxnLst>
+            <a:rect l="l" t="t" r="r" b="b"/>
+            <a:pathLst>
+              <a:path w="1179871" h="1664110">
+                <a:moveTo>
+                  <a:pt x="1179871" y="744794"/>
+                </a:moveTo>
+                <a:cubicBezTo>
+                  <a:pt x="1170038" y="1039761"/>
+                  <a:pt x="1160206" y="1334729"/>
+                  <a:pt x="1032387" y="1216742"/>
+                </a:cubicBezTo>
+                <a:cubicBezTo>
+                  <a:pt x="904568" y="1098755"/>
+                  <a:pt x="540773" y="0"/>
+                  <a:pt x="412954" y="36871"/>
+                </a:cubicBezTo>
+                <a:cubicBezTo>
+                  <a:pt x="285135" y="73742"/>
+                  <a:pt x="334297" y="1211826"/>
+                  <a:pt x="265471" y="1437968"/>
+                </a:cubicBezTo>
+                <a:cubicBezTo>
+                  <a:pt x="196645" y="1664110"/>
+                  <a:pt x="98322" y="1528916"/>
+                  <a:pt x="0" y="1393723"/>
+                </a:cubicBezTo>
+              </a:path>
+            </a:pathLst>
+          </a:custGeom>
+          <a:ln w="76200">
+            <a:solidFill>
+              <a:schemeClr val="tx1"/>
+            </a:solidFill>
+            <a:prstDash val="solid"/>
+            <a:headEnd type="triangle" w="med" len="med"/>
+            <a:tailEnd type="none" w="med" len="med"/>
+          </a:ln>
+        </p:spPr>
+        <p:style>
+          <a:lnRef idx="1">
+            <a:schemeClr val="accent1"/>
+          </a:lnRef>
+          <a:fillRef idx="0">
+            <a:schemeClr val="accent1"/>
+          </a:fillRef>
+          <a:effectRef idx="0">
+            <a:schemeClr val="accent1"/>
+          </a:effectRef>
+          <a:fontRef idx="minor">
+            <a:schemeClr val="tx1"/>
+          </a:fontRef>
+        </p:style>
+        <p:txBody>
+          <a:bodyPr rtlCol="0" anchor="ctr"/>
+          <a:lstStyle/>
+          <a:p>
+            <a:pPr algn="ctr"/>
+            <a:endParaRPr lang="en-US"/>
+          </a:p>
+        </p:txBody>
+      </p:sp>
       <p:grpSp>
         <p:nvGrpSpPr>
           <p:cNvPr id="53" name="Group 52"/>
@@ -4788,6 +4758,378 @@
           </a:p>
         </p:txBody>
       </p:sp>
+      <p:grpSp>
+        <p:nvGrpSpPr>
+          <p:cNvPr id="38" name="Group 37"/>
+          <p:cNvGrpSpPr/>
+          <p:nvPr/>
+        </p:nvGrpSpPr>
+        <p:grpSpPr>
+          <a:xfrm>
+            <a:off x="2971800" y="1524000"/>
+            <a:ext cx="304800" cy="1676400"/>
+            <a:chOff x="2895600" y="1524000"/>
+            <a:chExt cx="381000" cy="1676400"/>
+          </a:xfrm>
+        </p:grpSpPr>
+        <p:sp>
+          <p:nvSpPr>
+            <p:cNvPr id="34" name="Rectangle 33"/>
+            <p:cNvSpPr/>
+            <p:nvPr/>
+          </p:nvSpPr>
+          <p:spPr>
+            <a:xfrm>
+              <a:off x="2895600" y="1524000"/>
+              <a:ext cx="381000" cy="1676400"/>
+            </a:xfrm>
+            <a:prstGeom prst="rect">
+              <a:avLst/>
+            </a:prstGeom>
+            <a:ln/>
+          </p:spPr>
+          <p:style>
+            <a:lnRef idx="3">
+              <a:schemeClr val="lt1"/>
+            </a:lnRef>
+            <a:fillRef idx="1">
+              <a:schemeClr val="accent1"/>
+            </a:fillRef>
+            <a:effectRef idx="1">
+              <a:schemeClr val="accent1"/>
+            </a:effectRef>
+            <a:fontRef idx="minor">
+              <a:schemeClr val="lt1"/>
+            </a:fontRef>
+          </p:style>
+          <p:txBody>
+            <a:bodyPr rtlCol="0" anchor="ctr"/>
+            <a:lstStyle/>
+            <a:p>
+              <a:pPr algn="ctr"/>
+              <a:endParaRPr lang="en-US"/>
+            </a:p>
+          </p:txBody>
+        </p:sp>
+        <p:sp>
+          <p:nvSpPr>
+            <p:cNvPr id="37" name="Isosceles Triangle 36"/>
+            <p:cNvSpPr/>
+            <p:nvPr/>
+          </p:nvSpPr>
+          <p:spPr>
+            <a:xfrm rot="16200000">
+              <a:off x="2971800" y="1600200"/>
+              <a:ext cx="228600" cy="228600"/>
+            </a:xfrm>
+            <a:prstGeom prst="triangle">
+              <a:avLst/>
+            </a:prstGeom>
+            <a:ln/>
+          </p:spPr>
+          <p:style>
+            <a:lnRef idx="3">
+              <a:schemeClr val="lt1"/>
+            </a:lnRef>
+            <a:fillRef idx="1">
+              <a:schemeClr val="accent1"/>
+            </a:fillRef>
+            <a:effectRef idx="1">
+              <a:schemeClr val="accent1"/>
+            </a:effectRef>
+            <a:fontRef idx="minor">
+              <a:schemeClr val="lt1"/>
+            </a:fontRef>
+          </p:style>
+          <p:txBody>
+            <a:bodyPr rtlCol="0" anchor="ctr"/>
+            <a:lstStyle/>
+            <a:p>
+              <a:pPr algn="ctr"/>
+              <a:endParaRPr lang="en-US"/>
+            </a:p>
+          </p:txBody>
+        </p:sp>
+      </p:grpSp>
+      <p:grpSp>
+        <p:nvGrpSpPr>
+          <p:cNvPr id="39" name="Group 38"/>
+          <p:cNvGrpSpPr/>
+          <p:nvPr/>
+        </p:nvGrpSpPr>
+        <p:grpSpPr>
+          <a:xfrm flipH="1">
+            <a:off x="3352800" y="1524000"/>
+            <a:ext cx="304800" cy="1676400"/>
+            <a:chOff x="2895600" y="1524000"/>
+            <a:chExt cx="381000" cy="1676400"/>
+          </a:xfrm>
+        </p:grpSpPr>
+        <p:sp>
+          <p:nvSpPr>
+            <p:cNvPr id="40" name="Rectangle 39"/>
+            <p:cNvSpPr/>
+            <p:nvPr/>
+          </p:nvSpPr>
+          <p:spPr>
+            <a:xfrm>
+              <a:off x="2895600" y="1524000"/>
+              <a:ext cx="381000" cy="1676400"/>
+            </a:xfrm>
+            <a:prstGeom prst="rect">
+              <a:avLst/>
+            </a:prstGeom>
+            <a:ln/>
+          </p:spPr>
+          <p:style>
+            <a:lnRef idx="3">
+              <a:schemeClr val="lt1"/>
+            </a:lnRef>
+            <a:fillRef idx="1">
+              <a:schemeClr val="accent1"/>
+            </a:fillRef>
+            <a:effectRef idx="1">
+              <a:schemeClr val="accent1"/>
+            </a:effectRef>
+            <a:fontRef idx="minor">
+              <a:schemeClr val="lt1"/>
+            </a:fontRef>
+          </p:style>
+          <p:txBody>
+            <a:bodyPr rtlCol="0" anchor="ctr"/>
+            <a:lstStyle/>
+            <a:p>
+              <a:pPr algn="ctr"/>
+              <a:endParaRPr lang="en-US"/>
+            </a:p>
+          </p:txBody>
+        </p:sp>
+        <p:sp>
+          <p:nvSpPr>
+            <p:cNvPr id="41" name="Isosceles Triangle 40"/>
+            <p:cNvSpPr/>
+            <p:nvPr/>
+          </p:nvSpPr>
+          <p:spPr>
+            <a:xfrm rot="16200000">
+              <a:off x="2971800" y="1600200"/>
+              <a:ext cx="228600" cy="228600"/>
+            </a:xfrm>
+            <a:prstGeom prst="triangle">
+              <a:avLst/>
+            </a:prstGeom>
+            <a:ln/>
+          </p:spPr>
+          <p:style>
+            <a:lnRef idx="3">
+              <a:schemeClr val="lt1"/>
+            </a:lnRef>
+            <a:fillRef idx="1">
+              <a:schemeClr val="accent1"/>
+            </a:fillRef>
+            <a:effectRef idx="1">
+              <a:schemeClr val="accent1"/>
+            </a:effectRef>
+            <a:fontRef idx="minor">
+              <a:schemeClr val="lt1"/>
+            </a:fontRef>
+          </p:style>
+          <p:txBody>
+            <a:bodyPr rtlCol="0" anchor="ctr"/>
+            <a:lstStyle/>
+            <a:p>
+              <a:pPr algn="ctr"/>
+              <a:endParaRPr lang="en-US"/>
+            </a:p>
+          </p:txBody>
+        </p:sp>
+      </p:grpSp>
+      <p:grpSp>
+        <p:nvGrpSpPr>
+          <p:cNvPr id="43" name="Group 42"/>
+          <p:cNvGrpSpPr/>
+          <p:nvPr/>
+        </p:nvGrpSpPr>
+        <p:grpSpPr>
+          <a:xfrm>
+            <a:off x="3962400" y="3276600"/>
+            <a:ext cx="304800" cy="1676400"/>
+            <a:chOff x="2895600" y="1524000"/>
+            <a:chExt cx="381000" cy="1676400"/>
+          </a:xfrm>
+        </p:grpSpPr>
+        <p:sp>
+          <p:nvSpPr>
+            <p:cNvPr id="45" name="Rectangle 44"/>
+            <p:cNvSpPr/>
+            <p:nvPr/>
+          </p:nvSpPr>
+          <p:spPr>
+            <a:xfrm>
+              <a:off x="2895600" y="1524000"/>
+              <a:ext cx="381000" cy="1676400"/>
+            </a:xfrm>
+            <a:prstGeom prst="rect">
+              <a:avLst/>
+            </a:prstGeom>
+            <a:ln/>
+          </p:spPr>
+          <p:style>
+            <a:lnRef idx="0">
+              <a:schemeClr val="accent6"/>
+            </a:lnRef>
+            <a:fillRef idx="3">
+              <a:schemeClr val="accent6"/>
+            </a:fillRef>
+            <a:effectRef idx="3">
+              <a:schemeClr val="accent6"/>
+            </a:effectRef>
+            <a:fontRef idx="minor">
+              <a:schemeClr val="lt1"/>
+            </a:fontRef>
+          </p:style>
+          <p:txBody>
+            <a:bodyPr rtlCol="0" anchor="ctr"/>
+            <a:lstStyle/>
+            <a:p>
+              <a:pPr algn="ctr"/>
+              <a:endParaRPr lang="en-US"/>
+            </a:p>
+          </p:txBody>
+        </p:sp>
+        <p:sp>
+          <p:nvSpPr>
+            <p:cNvPr id="48" name="Isosceles Triangle 47"/>
+            <p:cNvSpPr/>
+            <p:nvPr/>
+          </p:nvSpPr>
+          <p:spPr>
+            <a:xfrm rot="16200000">
+              <a:off x="2971800" y="1600200"/>
+              <a:ext cx="228600" cy="228600"/>
+            </a:xfrm>
+            <a:prstGeom prst="triangle">
+              <a:avLst/>
+            </a:prstGeom>
+            <a:ln/>
+          </p:spPr>
+          <p:style>
+            <a:lnRef idx="0">
+              <a:schemeClr val="accent6"/>
+            </a:lnRef>
+            <a:fillRef idx="3">
+              <a:schemeClr val="accent6"/>
+            </a:fillRef>
+            <a:effectRef idx="3">
+              <a:schemeClr val="accent6"/>
+            </a:effectRef>
+            <a:fontRef idx="minor">
+              <a:schemeClr val="lt1"/>
+            </a:fontRef>
+          </p:style>
+          <p:txBody>
+            <a:bodyPr rtlCol="0" anchor="ctr"/>
+            <a:lstStyle/>
+            <a:p>
+              <a:pPr algn="ctr"/>
+              <a:endParaRPr lang="en-US"/>
+            </a:p>
+          </p:txBody>
+        </p:sp>
+      </p:grpSp>
+      <p:grpSp>
+        <p:nvGrpSpPr>
+          <p:cNvPr id="54" name="Group 53"/>
+          <p:cNvGrpSpPr/>
+          <p:nvPr/>
+        </p:nvGrpSpPr>
+        <p:grpSpPr>
+          <a:xfrm flipH="1">
+            <a:off x="4343400" y="3276600"/>
+            <a:ext cx="304800" cy="1676400"/>
+            <a:chOff x="2895600" y="1524000"/>
+            <a:chExt cx="381000" cy="1676400"/>
+          </a:xfrm>
+        </p:grpSpPr>
+        <p:sp>
+          <p:nvSpPr>
+            <p:cNvPr id="56" name="Rectangle 55"/>
+            <p:cNvSpPr/>
+            <p:nvPr/>
+          </p:nvSpPr>
+          <p:spPr>
+            <a:xfrm>
+              <a:off x="2895600" y="1524000"/>
+              <a:ext cx="381000" cy="1676400"/>
+            </a:xfrm>
+            <a:prstGeom prst="rect">
+              <a:avLst/>
+            </a:prstGeom>
+            <a:ln/>
+          </p:spPr>
+          <p:style>
+            <a:lnRef idx="0">
+              <a:schemeClr val="accent6"/>
+            </a:lnRef>
+            <a:fillRef idx="3">
+              <a:schemeClr val="accent6"/>
+            </a:fillRef>
+            <a:effectRef idx="3">
+              <a:schemeClr val="accent6"/>
+            </a:effectRef>
+            <a:fontRef idx="minor">
+              <a:schemeClr val="lt1"/>
+            </a:fontRef>
+          </p:style>
+          <p:txBody>
+            <a:bodyPr rtlCol="0" anchor="ctr"/>
+            <a:lstStyle/>
+            <a:p>
+              <a:pPr algn="ctr"/>
+              <a:endParaRPr lang="en-US"/>
+            </a:p>
+          </p:txBody>
+        </p:sp>
+        <p:sp>
+          <p:nvSpPr>
+            <p:cNvPr id="60" name="Isosceles Triangle 59"/>
+            <p:cNvSpPr/>
+            <p:nvPr/>
+          </p:nvSpPr>
+          <p:spPr>
+            <a:xfrm rot="16200000">
+              <a:off x="2971800" y="1600200"/>
+              <a:ext cx="228600" cy="228600"/>
+            </a:xfrm>
+            <a:prstGeom prst="triangle">
+              <a:avLst/>
+            </a:prstGeom>
+            <a:ln/>
+          </p:spPr>
+          <p:style>
+            <a:lnRef idx="0">
+              <a:schemeClr val="accent6"/>
+            </a:lnRef>
+            <a:fillRef idx="3">
+              <a:schemeClr val="accent6"/>
+            </a:fillRef>
+            <a:effectRef idx="3">
+              <a:schemeClr val="accent6"/>
+            </a:effectRef>
+            <a:fontRef idx="minor">
+              <a:schemeClr val="lt1"/>
+            </a:fontRef>
+          </p:style>
+          <p:txBody>
+            <a:bodyPr rtlCol="0" anchor="ctr"/>
+            <a:lstStyle/>
+            <a:p>
+              <a:pPr algn="ctr"/>
+              <a:endParaRPr lang="en-US"/>
+            </a:p>
+          </p:txBody>
+        </p:sp>
+      </p:grpSp>
     </p:spTree>
   </p:cSld>
   <p:clrMapOvr>

--- a/chrome/art/Presentation1.pptx
+++ b/chrome/art/Presentation1.pptx
@@ -7,6 +7,7 @@
   <p:sldIdLst>
     <p:sldId id="256" r:id="rId2"/>
     <p:sldId id="257" r:id="rId3"/>
+    <p:sldId id="258" r:id="rId4"/>
   </p:sldIdLst>
   <p:sldSz cx="9144000" cy="6858000" type="screen4x3"/>
   <p:notesSz cx="6858000" cy="9144000"/>
@@ -105,6 +106,22 @@
       </a:defRPr>
     </a:lvl9pPr>
   </p:defaultTextStyle>
+  <p:extLst>
+    <p:ext uri="{EFAFB233-063F-42B5-8137-9DF3F51BA10A}">
+      <p15:sldGuideLst xmlns:p15="http://schemas.microsoft.com/office/powerpoint/2012/main">
+        <p15:guide id="1" orient="horz" pos="2160">
+          <p15:clr>
+            <a:srgbClr val="A4A3A4"/>
+          </p15:clr>
+        </p15:guide>
+        <p15:guide id="2" pos="2880">
+          <p15:clr>
+            <a:srgbClr val="A4A3A4"/>
+          </p15:clr>
+        </p15:guide>
+      </p15:sldGuideLst>
+    </p:ext>
+  </p:extLst>
 </p:presentation>
 </file>
 
@@ -290,7 +307,7 @@
             <a:fld id="{D2EE61F1-8B0D-48C5-AAEC-2EA846F07988}" type="datetimeFigureOut">
               <a:rPr lang="en-US" smtClean="0"/>
               <a:pPr/>
-              <a:t>9/21/2015</a:t>
+              <a:t>1/3/2016</a:t>
             </a:fld>
             <a:endParaRPr lang="en-US"/>
           </a:p>
@@ -457,7 +474,7 @@
             <a:fld id="{D2EE61F1-8B0D-48C5-AAEC-2EA846F07988}" type="datetimeFigureOut">
               <a:rPr lang="en-US" smtClean="0"/>
               <a:pPr/>
-              <a:t>9/21/2015</a:t>
+              <a:t>1/3/2016</a:t>
             </a:fld>
             <a:endParaRPr lang="en-US"/>
           </a:p>
@@ -634,7 +651,7 @@
             <a:fld id="{D2EE61F1-8B0D-48C5-AAEC-2EA846F07988}" type="datetimeFigureOut">
               <a:rPr lang="en-US" smtClean="0"/>
               <a:pPr/>
-              <a:t>9/21/2015</a:t>
+              <a:t>1/3/2016</a:t>
             </a:fld>
             <a:endParaRPr lang="en-US"/>
           </a:p>
@@ -801,7 +818,7 @@
             <a:fld id="{D2EE61F1-8B0D-48C5-AAEC-2EA846F07988}" type="datetimeFigureOut">
               <a:rPr lang="en-US" smtClean="0"/>
               <a:pPr/>
-              <a:t>9/21/2015</a:t>
+              <a:t>1/3/2016</a:t>
             </a:fld>
             <a:endParaRPr lang="en-US"/>
           </a:p>
@@ -1044,7 +1061,7 @@
             <a:fld id="{D2EE61F1-8B0D-48C5-AAEC-2EA846F07988}" type="datetimeFigureOut">
               <a:rPr lang="en-US" smtClean="0"/>
               <a:pPr/>
-              <a:t>9/21/2015</a:t>
+              <a:t>1/3/2016</a:t>
             </a:fld>
             <a:endParaRPr lang="en-US"/>
           </a:p>
@@ -1329,7 +1346,7 @@
             <a:fld id="{D2EE61F1-8B0D-48C5-AAEC-2EA846F07988}" type="datetimeFigureOut">
               <a:rPr lang="en-US" smtClean="0"/>
               <a:pPr/>
-              <a:t>9/21/2015</a:t>
+              <a:t>1/3/2016</a:t>
             </a:fld>
             <a:endParaRPr lang="en-US"/>
           </a:p>
@@ -1748,7 +1765,7 @@
             <a:fld id="{D2EE61F1-8B0D-48C5-AAEC-2EA846F07988}" type="datetimeFigureOut">
               <a:rPr lang="en-US" smtClean="0"/>
               <a:pPr/>
-              <a:t>9/21/2015</a:t>
+              <a:t>1/3/2016</a:t>
             </a:fld>
             <a:endParaRPr lang="en-US"/>
           </a:p>
@@ -1863,7 +1880,7 @@
             <a:fld id="{D2EE61F1-8B0D-48C5-AAEC-2EA846F07988}" type="datetimeFigureOut">
               <a:rPr lang="en-US" smtClean="0"/>
               <a:pPr/>
-              <a:t>9/21/2015</a:t>
+              <a:t>1/3/2016</a:t>
             </a:fld>
             <a:endParaRPr lang="en-US"/>
           </a:p>
@@ -1955,7 +1972,7 @@
             <a:fld id="{D2EE61F1-8B0D-48C5-AAEC-2EA846F07988}" type="datetimeFigureOut">
               <a:rPr lang="en-US" smtClean="0"/>
               <a:pPr/>
-              <a:t>9/21/2015</a:t>
+              <a:t>1/3/2016</a:t>
             </a:fld>
             <a:endParaRPr lang="en-US"/>
           </a:p>
@@ -2229,7 +2246,7 @@
             <a:fld id="{D2EE61F1-8B0D-48C5-AAEC-2EA846F07988}" type="datetimeFigureOut">
               <a:rPr lang="en-US" smtClean="0"/>
               <a:pPr/>
-              <a:t>9/21/2015</a:t>
+              <a:t>1/3/2016</a:t>
             </a:fld>
             <a:endParaRPr lang="en-US"/>
           </a:p>
@@ -2479,7 +2496,7 @@
             <a:fld id="{D2EE61F1-8B0D-48C5-AAEC-2EA846F07988}" type="datetimeFigureOut">
               <a:rPr lang="en-US" smtClean="0"/>
               <a:pPr/>
-              <a:t>9/21/2015</a:t>
+              <a:t>1/3/2016</a:t>
             </a:fld>
             <a:endParaRPr lang="en-US"/>
           </a:p>
@@ -2689,7 +2706,7 @@
             <a:fld id="{D2EE61F1-8B0D-48C5-AAEC-2EA846F07988}" type="datetimeFigureOut">
               <a:rPr lang="en-US" smtClean="0"/>
               <a:pPr/>
-              <a:t>9/21/2015</a:t>
+              <a:t>1/3/2016</a:t>
             </a:fld>
             <a:endParaRPr lang="en-US"/>
           </a:p>
@@ -6316,6 +6333,282 @@
 </p:sld>
 </file>
 
+<file path=ppt/slides/slide3.xml><?xml version="1.0" encoding="utf-8"?>
+<p:sld xmlns:a="http://schemas.openxmlformats.org/drawingml/2006/main" xmlns:r="http://schemas.openxmlformats.org/officeDocument/2006/relationships" xmlns:p="http://schemas.openxmlformats.org/presentationml/2006/main">
+  <p:cSld>
+    <p:spTree>
+      <p:nvGrpSpPr>
+        <p:cNvPr id="1" name=""/>
+        <p:cNvGrpSpPr/>
+        <p:nvPr/>
+      </p:nvGrpSpPr>
+      <p:grpSpPr>
+        <a:xfrm>
+          <a:off x="0" y="0"/>
+          <a:ext cx="0" cy="0"/>
+          <a:chOff x="0" y="0"/>
+          <a:chExt cx="0" cy="0"/>
+        </a:xfrm>
+      </p:grpSpPr>
+      <p:sp>
+        <p:nvSpPr>
+          <p:cNvPr id="2" name="Title 1"/>
+          <p:cNvSpPr>
+            <a:spLocks noGrp="1"/>
+          </p:cNvSpPr>
+          <p:nvPr>
+            <p:ph type="title"/>
+          </p:nvPr>
+        </p:nvSpPr>
+        <p:spPr/>
+        <p:txBody>
+          <a:bodyPr/>
+          <a:lstStyle/>
+          <a:p>
+            <a:endParaRPr lang="en-US"/>
+          </a:p>
+        </p:txBody>
+      </p:sp>
+      <p:grpSp>
+        <p:nvGrpSpPr>
+          <p:cNvPr id="7" name="Group 6"/>
+          <p:cNvGrpSpPr/>
+          <p:nvPr/>
+        </p:nvGrpSpPr>
+        <p:grpSpPr>
+          <a:xfrm>
+            <a:off x="1371600" y="2514600"/>
+            <a:ext cx="1905000" cy="1981200"/>
+            <a:chOff x="914400" y="4114800"/>
+            <a:chExt cx="1905000" cy="1981200"/>
+          </a:xfrm>
+        </p:grpSpPr>
+        <p:sp>
+          <p:nvSpPr>
+            <p:cNvPr id="4" name="Oval 3"/>
+            <p:cNvSpPr/>
+            <p:nvPr/>
+          </p:nvSpPr>
+          <p:spPr>
+            <a:xfrm>
+              <a:off x="914400" y="4114800"/>
+              <a:ext cx="1905000" cy="1981200"/>
+            </a:xfrm>
+            <a:prstGeom prst="ellipse">
+              <a:avLst/>
+            </a:prstGeom>
+            <a:solidFill>
+              <a:srgbClr val="00B050"/>
+            </a:solidFill>
+            <a:ln/>
+          </p:spPr>
+          <p:style>
+            <a:lnRef idx="0">
+              <a:schemeClr val="accent6"/>
+            </a:lnRef>
+            <a:fillRef idx="3">
+              <a:schemeClr val="accent6"/>
+            </a:fillRef>
+            <a:effectRef idx="3">
+              <a:schemeClr val="accent6"/>
+            </a:effectRef>
+            <a:fontRef idx="minor">
+              <a:schemeClr val="lt1"/>
+            </a:fontRef>
+          </p:style>
+          <p:txBody>
+            <a:bodyPr rtlCol="0" anchor="ctr"/>
+            <a:lstStyle/>
+            <a:p>
+              <a:pPr algn="ctr"/>
+              <a:endParaRPr lang="en-US"/>
+            </a:p>
+          </p:txBody>
+        </p:sp>
+        <p:pic>
+          <p:nvPicPr>
+            <p:cNvPr id="5" name="Picture 8" descr="C:\Users\hutchuk\AppData\Local\Microsoft\Windows\Temporary Internet Files\Content.IE5\MAKAVNE5\angry-cartoon-eyes-md[1].png"/>
+            <p:cNvPicPr>
+              <a:picLocks noChangeAspect="1" noChangeArrowheads="1"/>
+            </p:cNvPicPr>
+            <p:nvPr/>
+          </p:nvPicPr>
+          <p:blipFill>
+            <a:blip r:embed="rId2" cstate="print"/>
+            <a:srcRect/>
+            <a:stretch>
+              <a:fillRect/>
+            </a:stretch>
+          </p:blipFill>
+          <p:spPr bwMode="auto">
+            <a:xfrm rot="244342">
+              <a:off x="1676400" y="4800600"/>
+              <a:ext cx="381000" cy="349037"/>
+            </a:xfrm>
+            <a:prstGeom prst="rect">
+              <a:avLst/>
+            </a:prstGeom>
+            <a:noFill/>
+          </p:spPr>
+        </p:pic>
+        <p:sp>
+          <p:nvSpPr>
+            <p:cNvPr id="6" name="Freeform 5"/>
+            <p:cNvSpPr/>
+            <p:nvPr/>
+          </p:nvSpPr>
+          <p:spPr>
+            <a:xfrm rot="907532">
+              <a:off x="1295400" y="4267200"/>
+              <a:ext cx="1179871" cy="1664110"/>
+            </a:xfrm>
+            <a:custGeom>
+              <a:avLst/>
+              <a:gdLst>
+                <a:gd name="connsiteX0" fmla="*/ 1179871 w 1179871"/>
+                <a:gd name="connsiteY0" fmla="*/ 744794 h 1664110"/>
+                <a:gd name="connsiteX1" fmla="*/ 1032387 w 1179871"/>
+                <a:gd name="connsiteY1" fmla="*/ 1216742 h 1664110"/>
+                <a:gd name="connsiteX2" fmla="*/ 412954 w 1179871"/>
+                <a:gd name="connsiteY2" fmla="*/ 36871 h 1664110"/>
+                <a:gd name="connsiteX3" fmla="*/ 265471 w 1179871"/>
+                <a:gd name="connsiteY3" fmla="*/ 1437968 h 1664110"/>
+                <a:gd name="connsiteX4" fmla="*/ 0 w 1179871"/>
+                <a:gd name="connsiteY4" fmla="*/ 1393723 h 1664110"/>
+              </a:gdLst>
+              <a:ahLst/>
+              <a:cxnLst>
+                <a:cxn ang="0">
+                  <a:pos x="connsiteX0" y="connsiteY0"/>
+                </a:cxn>
+                <a:cxn ang="0">
+                  <a:pos x="connsiteX1" y="connsiteY1"/>
+                </a:cxn>
+                <a:cxn ang="0">
+                  <a:pos x="connsiteX2" y="connsiteY2"/>
+                </a:cxn>
+                <a:cxn ang="0">
+                  <a:pos x="connsiteX3" y="connsiteY3"/>
+                </a:cxn>
+                <a:cxn ang="0">
+                  <a:pos x="connsiteX4" y="connsiteY4"/>
+                </a:cxn>
+              </a:cxnLst>
+              <a:rect l="l" t="t" r="r" b="b"/>
+              <a:pathLst>
+                <a:path w="1179871" h="1664110">
+                  <a:moveTo>
+                    <a:pt x="1179871" y="744794"/>
+                  </a:moveTo>
+                  <a:cubicBezTo>
+                    <a:pt x="1170038" y="1039761"/>
+                    <a:pt x="1160206" y="1334729"/>
+                    <a:pt x="1032387" y="1216742"/>
+                  </a:cubicBezTo>
+                  <a:cubicBezTo>
+                    <a:pt x="904568" y="1098755"/>
+                    <a:pt x="540773" y="0"/>
+                    <a:pt x="412954" y="36871"/>
+                  </a:cubicBezTo>
+                  <a:cubicBezTo>
+                    <a:pt x="285135" y="73742"/>
+                    <a:pt x="334297" y="1211826"/>
+                    <a:pt x="265471" y="1437968"/>
+                  </a:cubicBezTo>
+                  <a:cubicBezTo>
+                    <a:pt x="196645" y="1664110"/>
+                    <a:pt x="98322" y="1528916"/>
+                    <a:pt x="0" y="1393723"/>
+                  </a:cubicBezTo>
+                </a:path>
+              </a:pathLst>
+            </a:custGeom>
+            <a:ln w="76200">
+              <a:solidFill>
+                <a:schemeClr val="bg1"/>
+              </a:solidFill>
+              <a:prstDash val="solid"/>
+              <a:headEnd type="triangle" w="med" len="med"/>
+              <a:tailEnd type="none" w="med" len="med"/>
+            </a:ln>
+          </p:spPr>
+          <p:style>
+            <a:lnRef idx="1">
+              <a:schemeClr val="accent1"/>
+            </a:lnRef>
+            <a:fillRef idx="0">
+              <a:schemeClr val="accent1"/>
+            </a:fillRef>
+            <a:effectRef idx="0">
+              <a:schemeClr val="accent1"/>
+            </a:effectRef>
+            <a:fontRef idx="minor">
+              <a:schemeClr val="tx1"/>
+            </a:fontRef>
+          </p:style>
+          <p:txBody>
+            <a:bodyPr rtlCol="0" anchor="ctr"/>
+            <a:lstStyle/>
+            <a:p>
+              <a:pPr algn="ctr"/>
+              <a:endParaRPr lang="en-US"/>
+            </a:p>
+          </p:txBody>
+        </p:sp>
+      </p:grpSp>
+      <p:sp>
+        <p:nvSpPr>
+          <p:cNvPr id="8" name="TextBox 7"/>
+          <p:cNvSpPr txBox="1"/>
+          <p:nvPr/>
+        </p:nvSpPr>
+        <p:spPr>
+          <a:xfrm>
+            <a:off x="1905000" y="3952627"/>
+            <a:ext cx="838200" cy="369332"/>
+          </a:xfrm>
+          <a:prstGeom prst="rect">
+            <a:avLst/>
+          </a:prstGeom>
+          <a:noFill/>
+        </p:spPr>
+        <p:txBody>
+          <a:bodyPr wrap="square" rtlCol="0">
+            <a:spAutoFit/>
+          </a:bodyPr>
+          <a:lstStyle/>
+          <a:p>
+            <a:r>
+              <a:rPr lang="en-US" dirty="0" smtClean="0">
+                <a:solidFill>
+                  <a:schemeClr val="bg1"/>
+                </a:solidFill>
+                <a:latin typeface="Brush Script MT" panose="03060802040406070304" pitchFamily="66" charset="0"/>
+              </a:rPr>
+              <a:t>Thanks</a:t>
+            </a:r>
+            <a:endParaRPr lang="en-US" dirty="0">
+              <a:solidFill>
+                <a:schemeClr val="bg1"/>
+              </a:solidFill>
+              <a:latin typeface="Brush Script MT" panose="03060802040406070304" pitchFamily="66" charset="0"/>
+            </a:endParaRPr>
+          </a:p>
+        </p:txBody>
+      </p:sp>
+    </p:spTree>
+    <p:extLst>
+      <p:ext uri="{BB962C8B-B14F-4D97-AF65-F5344CB8AC3E}">
+        <p14:creationId xmlns:p14="http://schemas.microsoft.com/office/powerpoint/2010/main" val="432832360"/>
+      </p:ext>
+    </p:extLst>
+  </p:cSld>
+  <p:clrMapOvr>
+    <a:masterClrMapping/>
+  </p:clrMapOvr>
+</p:sld>
+</file>
+
 <file path=ppt/theme/theme1.xml><?xml version="1.0" encoding="utf-8"?>
 <a:theme xmlns:a="http://schemas.openxmlformats.org/drawingml/2006/main" name="Office Theme">
   <a:themeElements>

--- a/chrome/art/Presentation1.pptx
+++ b/chrome/art/Presentation1.pptx
@@ -8,6 +8,7 @@
     <p:sldId id="256" r:id="rId2"/>
     <p:sldId id="257" r:id="rId3"/>
     <p:sldId id="258" r:id="rId4"/>
+    <p:sldId id="259" r:id="rId5"/>
   </p:sldIdLst>
   <p:sldSz cx="9144000" cy="6858000" type="screen4x3"/>
   <p:notesSz cx="6858000" cy="9144000"/>
@@ -307,7 +308,7 @@
             <a:fld id="{D2EE61F1-8B0D-48C5-AAEC-2EA846F07988}" type="datetimeFigureOut">
               <a:rPr lang="en-US" smtClean="0"/>
               <a:pPr/>
-              <a:t>1/3/2016</a:t>
+              <a:t>2/25/2016</a:t>
             </a:fld>
             <a:endParaRPr lang="en-US"/>
           </a:p>
@@ -474,7 +475,7 @@
             <a:fld id="{D2EE61F1-8B0D-48C5-AAEC-2EA846F07988}" type="datetimeFigureOut">
               <a:rPr lang="en-US" smtClean="0"/>
               <a:pPr/>
-              <a:t>1/3/2016</a:t>
+              <a:t>2/25/2016</a:t>
             </a:fld>
             <a:endParaRPr lang="en-US"/>
           </a:p>
@@ -651,7 +652,7 @@
             <a:fld id="{D2EE61F1-8B0D-48C5-AAEC-2EA846F07988}" type="datetimeFigureOut">
               <a:rPr lang="en-US" smtClean="0"/>
               <a:pPr/>
-              <a:t>1/3/2016</a:t>
+              <a:t>2/25/2016</a:t>
             </a:fld>
             <a:endParaRPr lang="en-US"/>
           </a:p>
@@ -818,7 +819,7 @@
             <a:fld id="{D2EE61F1-8B0D-48C5-AAEC-2EA846F07988}" type="datetimeFigureOut">
               <a:rPr lang="en-US" smtClean="0"/>
               <a:pPr/>
-              <a:t>1/3/2016</a:t>
+              <a:t>2/25/2016</a:t>
             </a:fld>
             <a:endParaRPr lang="en-US"/>
           </a:p>
@@ -1061,7 +1062,7 @@
             <a:fld id="{D2EE61F1-8B0D-48C5-AAEC-2EA846F07988}" type="datetimeFigureOut">
               <a:rPr lang="en-US" smtClean="0"/>
               <a:pPr/>
-              <a:t>1/3/2016</a:t>
+              <a:t>2/25/2016</a:t>
             </a:fld>
             <a:endParaRPr lang="en-US"/>
           </a:p>
@@ -1346,7 +1347,7 @@
             <a:fld id="{D2EE61F1-8B0D-48C5-AAEC-2EA846F07988}" type="datetimeFigureOut">
               <a:rPr lang="en-US" smtClean="0"/>
               <a:pPr/>
-              <a:t>1/3/2016</a:t>
+              <a:t>2/25/2016</a:t>
             </a:fld>
             <a:endParaRPr lang="en-US"/>
           </a:p>
@@ -1765,7 +1766,7 @@
             <a:fld id="{D2EE61F1-8B0D-48C5-AAEC-2EA846F07988}" type="datetimeFigureOut">
               <a:rPr lang="en-US" smtClean="0"/>
               <a:pPr/>
-              <a:t>1/3/2016</a:t>
+              <a:t>2/25/2016</a:t>
             </a:fld>
             <a:endParaRPr lang="en-US"/>
           </a:p>
@@ -1880,7 +1881,7 @@
             <a:fld id="{D2EE61F1-8B0D-48C5-AAEC-2EA846F07988}" type="datetimeFigureOut">
               <a:rPr lang="en-US" smtClean="0"/>
               <a:pPr/>
-              <a:t>1/3/2016</a:t>
+              <a:t>2/25/2016</a:t>
             </a:fld>
             <a:endParaRPr lang="en-US"/>
           </a:p>
@@ -1972,7 +1973,7 @@
             <a:fld id="{D2EE61F1-8B0D-48C5-AAEC-2EA846F07988}" type="datetimeFigureOut">
               <a:rPr lang="en-US" smtClean="0"/>
               <a:pPr/>
-              <a:t>1/3/2016</a:t>
+              <a:t>2/25/2016</a:t>
             </a:fld>
             <a:endParaRPr lang="en-US"/>
           </a:p>
@@ -2246,7 +2247,7 @@
             <a:fld id="{D2EE61F1-8B0D-48C5-AAEC-2EA846F07988}" type="datetimeFigureOut">
               <a:rPr lang="en-US" smtClean="0"/>
               <a:pPr/>
-              <a:t>1/3/2016</a:t>
+              <a:t>2/25/2016</a:t>
             </a:fld>
             <a:endParaRPr lang="en-US"/>
           </a:p>
@@ -2496,7 +2497,7 @@
             <a:fld id="{D2EE61F1-8B0D-48C5-AAEC-2EA846F07988}" type="datetimeFigureOut">
               <a:rPr lang="en-US" smtClean="0"/>
               <a:pPr/>
-              <a:t>1/3/2016</a:t>
+              <a:t>2/25/2016</a:t>
             </a:fld>
             <a:endParaRPr lang="en-US"/>
           </a:p>
@@ -2706,7 +2707,7 @@
             <a:fld id="{D2EE61F1-8B0D-48C5-AAEC-2EA846F07988}" type="datetimeFigureOut">
               <a:rPr lang="en-US" smtClean="0"/>
               <a:pPr/>
-              <a:t>1/3/2016</a:t>
+              <a:t>2/25/2016</a:t>
             </a:fld>
             <a:endParaRPr lang="en-US"/>
           </a:p>
@@ -6369,36 +6370,197 @@
           </a:p>
         </p:txBody>
       </p:sp>
+      <p:sp>
+        <p:nvSpPr>
+          <p:cNvPr id="8" name="TextBox 7"/>
+          <p:cNvSpPr txBox="1"/>
+          <p:nvPr/>
+        </p:nvSpPr>
+        <p:spPr>
+          <a:xfrm>
+            <a:off x="1905000" y="3952627"/>
+            <a:ext cx="838200" cy="369332"/>
+          </a:xfrm>
+          <a:prstGeom prst="rect">
+            <a:avLst/>
+          </a:prstGeom>
+          <a:noFill/>
+        </p:spPr>
+        <p:txBody>
+          <a:bodyPr wrap="square" rtlCol="0">
+            <a:spAutoFit/>
+          </a:bodyPr>
+          <a:lstStyle/>
+          <a:p>
+            <a:r>
+              <a:rPr lang="en-US" dirty="0" smtClean="0">
+                <a:solidFill>
+                  <a:schemeClr val="bg1"/>
+                </a:solidFill>
+                <a:latin typeface="Brush Script MT" panose="03060802040406070304" pitchFamily="66" charset="0"/>
+              </a:rPr>
+              <a:t>Thanks</a:t>
+            </a:r>
+            <a:endParaRPr lang="en-US" dirty="0">
+              <a:solidFill>
+                <a:schemeClr val="bg1"/>
+              </a:solidFill>
+              <a:latin typeface="Brush Script MT" panose="03060802040406070304" pitchFamily="66" charset="0"/>
+            </a:endParaRPr>
+          </a:p>
+        </p:txBody>
+      </p:sp>
+      <p:sp>
+        <p:nvSpPr>
+          <p:cNvPr id="3" name="Rectangle 2"/>
+          <p:cNvSpPr/>
+          <p:nvPr/>
+        </p:nvSpPr>
+        <p:spPr>
+          <a:xfrm>
+            <a:off x="190500" y="1143000"/>
+            <a:ext cx="8763000" cy="5440362"/>
+          </a:xfrm>
+          <a:prstGeom prst="rect">
+            <a:avLst/>
+          </a:prstGeom>
+          <a:blipFill>
+            <a:blip r:embed="rId2"/>
+            <a:stretch>
+              <a:fillRect/>
+            </a:stretch>
+          </a:blipFill>
+          <a:ln>
+            <a:solidFill>
+              <a:schemeClr val="bg1"/>
+            </a:solidFill>
+          </a:ln>
+        </p:spPr>
+        <p:style>
+          <a:lnRef idx="2">
+            <a:schemeClr val="accent1">
+              <a:shade val="50000"/>
+            </a:schemeClr>
+          </a:lnRef>
+          <a:fillRef idx="1">
+            <a:schemeClr val="accent1"/>
+          </a:fillRef>
+          <a:effectRef idx="0">
+            <a:schemeClr val="accent1"/>
+          </a:effectRef>
+          <a:fontRef idx="minor">
+            <a:schemeClr val="lt1"/>
+          </a:fontRef>
+        </p:style>
+        <p:txBody>
+          <a:bodyPr rtlCol="0" anchor="ctr"/>
+          <a:lstStyle/>
+          <a:p>
+            <a:pPr algn="ctr"/>
+            <a:endParaRPr lang="en-US"/>
+          </a:p>
+        </p:txBody>
+      </p:sp>
+    </p:spTree>
+    <p:extLst>
+      <p:ext uri="{BB962C8B-B14F-4D97-AF65-F5344CB8AC3E}">
+        <p14:creationId xmlns:p14="http://schemas.microsoft.com/office/powerpoint/2010/main" val="432832360"/>
+      </p:ext>
+    </p:extLst>
+  </p:cSld>
+  <p:clrMapOvr>
+    <a:masterClrMapping/>
+  </p:clrMapOvr>
+</p:sld>
+</file>
+
+<file path=ppt/slides/slide4.xml><?xml version="1.0" encoding="utf-8"?>
+<p:sld xmlns:a="http://schemas.openxmlformats.org/drawingml/2006/main" xmlns:r="http://schemas.openxmlformats.org/officeDocument/2006/relationships" xmlns:p="http://schemas.openxmlformats.org/presentationml/2006/main">
+  <p:cSld>
+    <p:spTree>
+      <p:nvGrpSpPr>
+        <p:cNvPr id="1" name=""/>
+        <p:cNvGrpSpPr/>
+        <p:nvPr/>
+      </p:nvGrpSpPr>
+      <p:grpSpPr>
+        <a:xfrm>
+          <a:off x="0" y="0"/>
+          <a:ext cx="0" cy="0"/>
+          <a:chOff x="0" y="0"/>
+          <a:chExt cx="0" cy="0"/>
+        </a:xfrm>
+      </p:grpSpPr>
+      <p:sp>
+        <p:nvSpPr>
+          <p:cNvPr id="8" name="TextBox 7"/>
+          <p:cNvSpPr txBox="1"/>
+          <p:nvPr/>
+        </p:nvSpPr>
+        <p:spPr>
+          <a:xfrm>
+            <a:off x="1905000" y="3952627"/>
+            <a:ext cx="838200" cy="369332"/>
+          </a:xfrm>
+          <a:prstGeom prst="rect">
+            <a:avLst/>
+          </a:prstGeom>
+          <a:noFill/>
+        </p:spPr>
+        <p:txBody>
+          <a:bodyPr wrap="square" rtlCol="0">
+            <a:spAutoFit/>
+          </a:bodyPr>
+          <a:lstStyle/>
+          <a:p>
+            <a:r>
+              <a:rPr lang="en-US" dirty="0" smtClean="0">
+                <a:solidFill>
+                  <a:schemeClr val="bg1"/>
+                </a:solidFill>
+                <a:latin typeface="Brush Script MT" panose="03060802040406070304" pitchFamily="66" charset="0"/>
+              </a:rPr>
+              <a:t>Thanks</a:t>
+            </a:r>
+            <a:endParaRPr lang="en-US" dirty="0">
+              <a:solidFill>
+                <a:schemeClr val="bg1"/>
+              </a:solidFill>
+              <a:latin typeface="Brush Script MT" panose="03060802040406070304" pitchFamily="66" charset="0"/>
+            </a:endParaRPr>
+          </a:p>
+        </p:txBody>
+      </p:sp>
       <p:grpSp>
         <p:nvGrpSpPr>
-          <p:cNvPr id="7" name="Group 6"/>
+          <p:cNvPr id="21" name="Group 20"/>
           <p:cNvGrpSpPr/>
           <p:nvPr/>
         </p:nvGrpSpPr>
         <p:grpSpPr>
           <a:xfrm>
-            <a:off x="1371600" y="2514600"/>
+            <a:off x="3200400" y="3664177"/>
             <a:ext cx="1905000" cy="1981200"/>
-            <a:chOff x="914400" y="4114800"/>
+            <a:chOff x="3429000" y="3124200"/>
             <a:chExt cx="1905000" cy="1981200"/>
           </a:xfrm>
         </p:grpSpPr>
         <p:sp>
           <p:nvSpPr>
-            <p:cNvPr id="4" name="Oval 3"/>
+            <p:cNvPr id="10" name="Oval 9"/>
             <p:cNvSpPr/>
             <p:nvPr/>
           </p:nvSpPr>
           <p:spPr>
             <a:xfrm>
-              <a:off x="914400" y="4114800"/>
+              <a:off x="3429000" y="3124200"/>
               <a:ext cx="1905000" cy="1981200"/>
             </a:xfrm>
             <a:prstGeom prst="ellipse">
               <a:avLst/>
             </a:prstGeom>
             <a:solidFill>
-              <a:srgbClr val="00B050"/>
+              <a:srgbClr val="B11719"/>
             </a:solidFill>
             <a:ln/>
           </p:spPr>
@@ -6425,41 +6587,15 @@
             </a:p>
           </p:txBody>
         </p:sp>
-        <p:pic>
-          <p:nvPicPr>
-            <p:cNvPr id="5" name="Picture 8" descr="C:\Users\hutchuk\AppData\Local\Microsoft\Windows\Temporary Internet Files\Content.IE5\MAKAVNE5\angry-cartoon-eyes-md[1].png"/>
-            <p:cNvPicPr>
-              <a:picLocks noChangeAspect="1" noChangeArrowheads="1"/>
-            </p:cNvPicPr>
-            <p:nvPr/>
-          </p:nvPicPr>
-          <p:blipFill>
-            <a:blip r:embed="rId2" cstate="print"/>
-            <a:srcRect/>
-            <a:stretch>
-              <a:fillRect/>
-            </a:stretch>
-          </p:blipFill>
-          <p:spPr bwMode="auto">
-            <a:xfrm rot="244342">
-              <a:off x="1676400" y="4800600"/>
-              <a:ext cx="381000" cy="349037"/>
-            </a:xfrm>
-            <a:prstGeom prst="rect">
-              <a:avLst/>
-            </a:prstGeom>
-            <a:noFill/>
-          </p:spPr>
-        </p:pic>
         <p:sp>
           <p:nvSpPr>
-            <p:cNvPr id="6" name="Freeform 5"/>
+            <p:cNvPr id="12" name="Freeform 11"/>
             <p:cNvSpPr/>
             <p:nvPr/>
           </p:nvSpPr>
           <p:spPr>
             <a:xfrm rot="907532">
-              <a:off x="1295400" y="4267200"/>
+              <a:off x="3822350" y="3316180"/>
               <a:ext cx="1179871" cy="1664110"/>
             </a:xfrm>
             <a:custGeom>
@@ -6523,6 +6659,9 @@
                 </a:path>
               </a:pathLst>
             </a:custGeom>
+            <a:solidFill>
+              <a:srgbClr val="B11719"/>
+            </a:solidFill>
             <a:ln w="76200">
               <a:solidFill>
                 <a:schemeClr val="bg1"/>
@@ -6555,17 +6694,45 @@
             </a:p>
           </p:txBody>
         </p:sp>
+        <p:pic>
+          <p:nvPicPr>
+            <p:cNvPr id="11" name="Picture 8" descr="C:\Users\hutchuk\AppData\Local\Microsoft\Windows\Temporary Internet Files\Content.IE5\MAKAVNE5\angry-cartoon-eyes-md[1].png"/>
+            <p:cNvPicPr>
+              <a:picLocks noChangeAspect="1" noChangeArrowheads="1"/>
+            </p:cNvPicPr>
+            <p:nvPr/>
+          </p:nvPicPr>
+          <p:blipFill>
+            <a:blip r:embed="rId2" cstate="print"/>
+            <a:srcRect/>
+            <a:stretch>
+              <a:fillRect/>
+            </a:stretch>
+          </p:blipFill>
+          <p:spPr bwMode="auto">
+            <a:xfrm rot="21436100">
+              <a:off x="4202913" y="3981275"/>
+              <a:ext cx="381000" cy="349037"/>
+            </a:xfrm>
+            <a:prstGeom prst="rect">
+              <a:avLst/>
+            </a:prstGeom>
+            <a:solidFill>
+              <a:srgbClr val="B11719"/>
+            </a:solidFill>
+          </p:spPr>
+        </p:pic>
       </p:grpSp>
       <p:sp>
         <p:nvSpPr>
-          <p:cNvPr id="8" name="TextBox 7"/>
+          <p:cNvPr id="23" name="TextBox 22"/>
           <p:cNvSpPr txBox="1"/>
           <p:nvPr/>
         </p:nvSpPr>
         <p:spPr>
           <a:xfrm>
-            <a:off x="1905000" y="3952627"/>
-            <a:ext cx="838200" cy="369332"/>
+            <a:off x="1151966" y="3308308"/>
+            <a:ext cx="1210234" cy="3785652"/>
           </a:xfrm>
           <a:prstGeom prst="rect">
             <a:avLst/>
@@ -6579,27 +6746,173 @@
           <a:lstStyle/>
           <a:p>
             <a:r>
-              <a:rPr lang="en-US" dirty="0" smtClean="0">
+              <a:rPr lang="en-US" sz="6000" dirty="0" smtClean="0">
                 <a:solidFill>
-                  <a:schemeClr val="bg1"/>
+                  <a:srgbClr val="C00000"/>
                 </a:solidFill>
-                <a:latin typeface="Brush Script MT" panose="03060802040406070304" pitchFamily="66" charset="0"/>
+                <a:sym typeface="Wingdings" panose="05000000000000000000" pitchFamily="2" charset="2"/>
               </a:rPr>
-              <a:t>Thanks</a:t>
+              <a:t></a:t>
             </a:r>
-            <a:endParaRPr lang="en-US" dirty="0">
+          </a:p>
+          <a:p>
+            <a:r>
+              <a:rPr lang="en-US" sz="6000" dirty="0" smtClean="0">
+                <a:solidFill>
+                  <a:srgbClr val="C00000"/>
+                </a:solidFill>
+                <a:sym typeface="Wingdings" panose="05000000000000000000" pitchFamily="2" charset="2"/>
+              </a:rPr>
+              <a:t></a:t>
+            </a:r>
+          </a:p>
+          <a:p>
+            <a:r>
+              <a:rPr lang="en-US" sz="6000" dirty="0" smtClean="0">
+                <a:solidFill>
+                  <a:srgbClr val="C00000"/>
+                </a:solidFill>
+                <a:sym typeface="Wingdings" panose="05000000000000000000" pitchFamily="2" charset="2"/>
+              </a:rPr>
+              <a:t></a:t>
+            </a:r>
+            <a:endParaRPr lang="en-US" sz="6000" dirty="0">
               <a:solidFill>
-                <a:schemeClr val="bg1"/>
+                <a:srgbClr val="C00000"/>
               </a:solidFill>
-              <a:latin typeface="Brush Script MT" panose="03060802040406070304" pitchFamily="66" charset="0"/>
             </a:endParaRPr>
           </a:p>
-        </p:txBody>
-      </p:sp>
+          <a:p>
+            <a:endParaRPr lang="en-US" sz="6000" dirty="0">
+              <a:solidFill>
+                <a:srgbClr val="C00000"/>
+              </a:solidFill>
+            </a:endParaRPr>
+          </a:p>
+        </p:txBody>
+      </p:sp>
+      <p:pic>
+        <p:nvPicPr>
+          <p:cNvPr id="28" name="Picture 27"/>
+          <p:cNvPicPr>
+            <a:picLocks noChangeAspect="1"/>
+          </p:cNvPicPr>
+          <p:nvPr/>
+        </p:nvPicPr>
+        <p:blipFill>
+          <a:blip r:embed="rId3"/>
+          <a:stretch>
+            <a:fillRect/>
+          </a:stretch>
+        </p:blipFill>
+        <p:spPr>
+          <a:xfrm>
+            <a:off x="5638800" y="2914583"/>
+            <a:ext cx="3817516" cy="1499187"/>
+          </a:xfrm>
+          <a:prstGeom prst="rect">
+            <a:avLst/>
+          </a:prstGeom>
+          <a:effectLst>
+            <a:innerShdw blurRad="63500" dist="50800" dir="16200000">
+              <a:prstClr val="black">
+                <a:alpha val="50000"/>
+              </a:prstClr>
+            </a:innerShdw>
+          </a:effectLst>
+        </p:spPr>
+      </p:pic>
+      <p:pic>
+        <p:nvPicPr>
+          <p:cNvPr id="30" name="Picture 29"/>
+          <p:cNvPicPr>
+            <a:picLocks noChangeAspect="1"/>
+          </p:cNvPicPr>
+          <p:nvPr/>
+        </p:nvPicPr>
+        <p:blipFill>
+          <a:blip r:embed="rId4"/>
+          <a:stretch>
+            <a:fillRect/>
+          </a:stretch>
+        </p:blipFill>
+        <p:spPr>
+          <a:xfrm>
+            <a:off x="5943600" y="4654777"/>
+            <a:ext cx="1470708" cy="1320294"/>
+          </a:xfrm>
+          <a:prstGeom prst="rect">
+            <a:avLst/>
+          </a:prstGeom>
+        </p:spPr>
+      </p:pic>
+      <p:grpSp>
+        <p:nvGrpSpPr>
+          <p:cNvPr id="32" name="Group 31"/>
+          <p:cNvGrpSpPr/>
+          <p:nvPr/>
+        </p:nvGrpSpPr>
+        <p:grpSpPr>
+          <a:xfrm>
+            <a:off x="457200" y="1158508"/>
+            <a:ext cx="8686800" cy="2286911"/>
+            <a:chOff x="1676400" y="1220314"/>
+            <a:chExt cx="8686800" cy="2286911"/>
+          </a:xfrm>
+        </p:grpSpPr>
+        <p:pic>
+          <p:nvPicPr>
+            <p:cNvPr id="25" name="Picture 24"/>
+            <p:cNvPicPr>
+              <a:picLocks noChangeAspect="1"/>
+            </p:cNvPicPr>
+            <p:nvPr/>
+          </p:nvPicPr>
+          <p:blipFill>
+            <a:blip r:embed="rId5"/>
+            <a:stretch>
+              <a:fillRect/>
+            </a:stretch>
+          </p:blipFill>
+          <p:spPr>
+            <a:xfrm>
+              <a:off x="1676400" y="1220314"/>
+              <a:ext cx="8686800" cy="2200582"/>
+            </a:xfrm>
+            <a:prstGeom prst="rect">
+              <a:avLst/>
+            </a:prstGeom>
+          </p:spPr>
+        </p:pic>
+        <p:pic>
+          <p:nvPicPr>
+            <p:cNvPr id="31" name="Picture 30"/>
+            <p:cNvPicPr>
+              <a:picLocks noChangeAspect="1"/>
+            </p:cNvPicPr>
+            <p:nvPr/>
+          </p:nvPicPr>
+          <p:blipFill>
+            <a:blip r:embed="rId6"/>
+            <a:stretch>
+              <a:fillRect/>
+            </a:stretch>
+          </p:blipFill>
+          <p:spPr>
+            <a:xfrm>
+              <a:off x="2139984" y="1733135"/>
+              <a:ext cx="1524132" cy="1774090"/>
+            </a:xfrm>
+            <a:prstGeom prst="rect">
+              <a:avLst/>
+            </a:prstGeom>
+          </p:spPr>
+        </p:pic>
+      </p:grpSp>
     </p:spTree>
     <p:extLst>
       <p:ext uri="{BB962C8B-B14F-4D97-AF65-F5344CB8AC3E}">
-        <p14:creationId xmlns:p14="http://schemas.microsoft.com/office/powerpoint/2010/main" val="432832360"/>
+        <p14:creationId xmlns:p14="http://schemas.microsoft.com/office/powerpoint/2010/main" val="36938934"/>
       </p:ext>
     </p:extLst>
   </p:cSld>

--- a/chrome/art/Presentation1.pptx
+++ b/chrome/art/Presentation1.pptx
@@ -9,6 +9,7 @@
     <p:sldId id="257" r:id="rId3"/>
     <p:sldId id="258" r:id="rId4"/>
     <p:sldId id="259" r:id="rId5"/>
+    <p:sldId id="260" r:id="rId6"/>
   </p:sldIdLst>
   <p:sldSz cx="9144000" cy="6858000" type="screen4x3"/>
   <p:notesSz cx="6858000" cy="9144000"/>
@@ -164,10 +165,9 @@
           <a:lstStyle/>
           <a:p>
             <a:r>
-              <a:rPr lang="en-US" smtClean="0"/>
+              <a:rPr lang="en-US"/>
               <a:t>Click to edit Master title style</a:t>
             </a:r>
-            <a:endParaRPr lang="en-US"/>
           </a:p>
         </p:txBody>
       </p:sp>
@@ -283,10 +283,9 @@
           </a:lstStyle>
           <a:p>
             <a:r>
-              <a:rPr lang="en-US" smtClean="0"/>
+              <a:rPr lang="en-US"/>
               <a:t>Click to edit Master subtitle style</a:t>
             </a:r>
-            <a:endParaRPr lang="en-US"/>
           </a:p>
         </p:txBody>
       </p:sp>
@@ -308,7 +307,7 @@
             <a:fld id="{D2EE61F1-8B0D-48C5-AAEC-2EA846F07988}" type="datetimeFigureOut">
               <a:rPr lang="en-US" smtClean="0"/>
               <a:pPr/>
-              <a:t>2/25/2016</a:t>
+              <a:t>5/31/2016</a:t>
             </a:fld>
             <a:endParaRPr lang="en-US"/>
           </a:p>
@@ -398,10 +397,9 @@
           <a:lstStyle/>
           <a:p>
             <a:r>
-              <a:rPr lang="en-US" smtClean="0"/>
+              <a:rPr lang="en-US"/>
               <a:t>Click to edit Master title style</a:t>
             </a:r>
-            <a:endParaRPr lang="en-US"/>
           </a:p>
         </p:txBody>
       </p:sp>
@@ -422,38 +420,37 @@
           <a:p>
             <a:pPr lvl="0"/>
             <a:r>
-              <a:rPr lang="en-US" smtClean="0"/>
+              <a:rPr lang="en-US"/>
               <a:t>Click to edit Master text styles</a:t>
             </a:r>
           </a:p>
           <a:p>
             <a:pPr lvl="1"/>
             <a:r>
-              <a:rPr lang="en-US" smtClean="0"/>
+              <a:rPr lang="en-US"/>
               <a:t>Second level</a:t>
             </a:r>
           </a:p>
           <a:p>
             <a:pPr lvl="2"/>
             <a:r>
-              <a:rPr lang="en-US" smtClean="0"/>
+              <a:rPr lang="en-US"/>
               <a:t>Third level</a:t>
             </a:r>
           </a:p>
           <a:p>
             <a:pPr lvl="3"/>
             <a:r>
-              <a:rPr lang="en-US" smtClean="0"/>
+              <a:rPr lang="en-US"/>
               <a:t>Fourth level</a:t>
             </a:r>
           </a:p>
           <a:p>
             <a:pPr lvl="4"/>
             <a:r>
-              <a:rPr lang="en-US" smtClean="0"/>
+              <a:rPr lang="en-US"/>
               <a:t>Fifth level</a:t>
             </a:r>
-            <a:endParaRPr lang="en-US"/>
           </a:p>
         </p:txBody>
       </p:sp>
@@ -475,7 +472,7 @@
             <a:fld id="{D2EE61F1-8B0D-48C5-AAEC-2EA846F07988}" type="datetimeFigureOut">
               <a:rPr lang="en-US" smtClean="0"/>
               <a:pPr/>
-              <a:t>2/25/2016</a:t>
+              <a:t>5/31/2016</a:t>
             </a:fld>
             <a:endParaRPr lang="en-US"/>
           </a:p>
@@ -570,10 +567,9 @@
           <a:lstStyle/>
           <a:p>
             <a:r>
-              <a:rPr lang="en-US" smtClean="0"/>
+              <a:rPr lang="en-US"/>
               <a:t>Click to edit Master title style</a:t>
             </a:r>
-            <a:endParaRPr lang="en-US"/>
           </a:p>
         </p:txBody>
       </p:sp>
@@ -599,38 +595,37 @@
           <a:p>
             <a:pPr lvl="0"/>
             <a:r>
-              <a:rPr lang="en-US" smtClean="0"/>
+              <a:rPr lang="en-US"/>
               <a:t>Click to edit Master text styles</a:t>
             </a:r>
           </a:p>
           <a:p>
             <a:pPr lvl="1"/>
             <a:r>
-              <a:rPr lang="en-US" smtClean="0"/>
+              <a:rPr lang="en-US"/>
               <a:t>Second level</a:t>
             </a:r>
           </a:p>
           <a:p>
             <a:pPr lvl="2"/>
             <a:r>
-              <a:rPr lang="en-US" smtClean="0"/>
+              <a:rPr lang="en-US"/>
               <a:t>Third level</a:t>
             </a:r>
           </a:p>
           <a:p>
             <a:pPr lvl="3"/>
             <a:r>
-              <a:rPr lang="en-US" smtClean="0"/>
+              <a:rPr lang="en-US"/>
               <a:t>Fourth level</a:t>
             </a:r>
           </a:p>
           <a:p>
             <a:pPr lvl="4"/>
             <a:r>
-              <a:rPr lang="en-US" smtClean="0"/>
+              <a:rPr lang="en-US"/>
               <a:t>Fifth level</a:t>
             </a:r>
-            <a:endParaRPr lang="en-US"/>
           </a:p>
         </p:txBody>
       </p:sp>
@@ -652,7 +647,7 @@
             <a:fld id="{D2EE61F1-8B0D-48C5-AAEC-2EA846F07988}" type="datetimeFigureOut">
               <a:rPr lang="en-US" smtClean="0"/>
               <a:pPr/>
-              <a:t>2/25/2016</a:t>
+              <a:t>5/31/2016</a:t>
             </a:fld>
             <a:endParaRPr lang="en-US"/>
           </a:p>
@@ -742,10 +737,9 @@
           <a:lstStyle/>
           <a:p>
             <a:r>
-              <a:rPr lang="en-US" smtClean="0"/>
+              <a:rPr lang="en-US"/>
               <a:t>Click to edit Master title style</a:t>
             </a:r>
-            <a:endParaRPr lang="en-US"/>
           </a:p>
         </p:txBody>
       </p:sp>
@@ -766,38 +760,37 @@
           <a:p>
             <a:pPr lvl="0"/>
             <a:r>
-              <a:rPr lang="en-US" smtClean="0"/>
+              <a:rPr lang="en-US"/>
               <a:t>Click to edit Master text styles</a:t>
             </a:r>
           </a:p>
           <a:p>
             <a:pPr lvl="1"/>
             <a:r>
-              <a:rPr lang="en-US" smtClean="0"/>
+              <a:rPr lang="en-US"/>
               <a:t>Second level</a:t>
             </a:r>
           </a:p>
           <a:p>
             <a:pPr lvl="2"/>
             <a:r>
-              <a:rPr lang="en-US" smtClean="0"/>
+              <a:rPr lang="en-US"/>
               <a:t>Third level</a:t>
             </a:r>
           </a:p>
           <a:p>
             <a:pPr lvl="3"/>
             <a:r>
-              <a:rPr lang="en-US" smtClean="0"/>
+              <a:rPr lang="en-US"/>
               <a:t>Fourth level</a:t>
             </a:r>
           </a:p>
           <a:p>
             <a:pPr lvl="4"/>
             <a:r>
-              <a:rPr lang="en-US" smtClean="0"/>
+              <a:rPr lang="en-US"/>
               <a:t>Fifth level</a:t>
             </a:r>
-            <a:endParaRPr lang="en-US"/>
           </a:p>
         </p:txBody>
       </p:sp>
@@ -819,7 +812,7 @@
             <a:fld id="{D2EE61F1-8B0D-48C5-AAEC-2EA846F07988}" type="datetimeFigureOut">
               <a:rPr lang="en-US" smtClean="0"/>
               <a:pPr/>
-              <a:t>2/25/2016</a:t>
+              <a:t>5/31/2016</a:t>
             </a:fld>
             <a:endParaRPr lang="en-US"/>
           </a:p>
@@ -918,10 +911,9 @@
           </a:lstStyle>
           <a:p>
             <a:r>
-              <a:rPr lang="en-US" smtClean="0"/>
+              <a:rPr lang="en-US"/>
               <a:t>Click to edit Master title style</a:t>
             </a:r>
-            <a:endParaRPr lang="en-US"/>
           </a:p>
         </p:txBody>
       </p:sp>
@@ -1038,7 +1030,7 @@
           <a:p>
             <a:pPr lvl="0"/>
             <a:r>
-              <a:rPr lang="en-US" smtClean="0"/>
+              <a:rPr lang="en-US"/>
               <a:t>Click to edit Master text styles</a:t>
             </a:r>
           </a:p>
@@ -1062,7 +1054,7 @@
             <a:fld id="{D2EE61F1-8B0D-48C5-AAEC-2EA846F07988}" type="datetimeFigureOut">
               <a:rPr lang="en-US" smtClean="0"/>
               <a:pPr/>
-              <a:t>2/25/2016</a:t>
+              <a:t>5/31/2016</a:t>
             </a:fld>
             <a:endParaRPr lang="en-US"/>
           </a:p>
@@ -1152,10 +1144,9 @@
           <a:lstStyle/>
           <a:p>
             <a:r>
-              <a:rPr lang="en-US" smtClean="0"/>
+              <a:rPr lang="en-US"/>
               <a:t>Click to edit Master title style</a:t>
             </a:r>
-            <a:endParaRPr lang="en-US"/>
           </a:p>
         </p:txBody>
       </p:sp>
@@ -1209,38 +1200,37 @@
           <a:p>
             <a:pPr lvl="0"/>
             <a:r>
-              <a:rPr lang="en-US" smtClean="0"/>
+              <a:rPr lang="en-US"/>
               <a:t>Click to edit Master text styles</a:t>
             </a:r>
           </a:p>
           <a:p>
             <a:pPr lvl="1"/>
             <a:r>
-              <a:rPr lang="en-US" smtClean="0"/>
+              <a:rPr lang="en-US"/>
               <a:t>Second level</a:t>
             </a:r>
           </a:p>
           <a:p>
             <a:pPr lvl="2"/>
             <a:r>
-              <a:rPr lang="en-US" smtClean="0"/>
+              <a:rPr lang="en-US"/>
               <a:t>Third level</a:t>
             </a:r>
           </a:p>
           <a:p>
             <a:pPr lvl="3"/>
             <a:r>
-              <a:rPr lang="en-US" smtClean="0"/>
+              <a:rPr lang="en-US"/>
               <a:t>Fourth level</a:t>
             </a:r>
           </a:p>
           <a:p>
             <a:pPr lvl="4"/>
             <a:r>
-              <a:rPr lang="en-US" smtClean="0"/>
+              <a:rPr lang="en-US"/>
               <a:t>Fifth level</a:t>
             </a:r>
-            <a:endParaRPr lang="en-US"/>
           </a:p>
         </p:txBody>
       </p:sp>
@@ -1294,38 +1284,37 @@
           <a:p>
             <a:pPr lvl="0"/>
             <a:r>
-              <a:rPr lang="en-US" smtClean="0"/>
+              <a:rPr lang="en-US"/>
               <a:t>Click to edit Master text styles</a:t>
             </a:r>
           </a:p>
           <a:p>
             <a:pPr lvl="1"/>
             <a:r>
-              <a:rPr lang="en-US" smtClean="0"/>
+              <a:rPr lang="en-US"/>
               <a:t>Second level</a:t>
             </a:r>
           </a:p>
           <a:p>
             <a:pPr lvl="2"/>
             <a:r>
-              <a:rPr lang="en-US" smtClean="0"/>
+              <a:rPr lang="en-US"/>
               <a:t>Third level</a:t>
             </a:r>
           </a:p>
           <a:p>
             <a:pPr lvl="3"/>
             <a:r>
-              <a:rPr lang="en-US" smtClean="0"/>
+              <a:rPr lang="en-US"/>
               <a:t>Fourth level</a:t>
             </a:r>
           </a:p>
           <a:p>
             <a:pPr lvl="4"/>
             <a:r>
-              <a:rPr lang="en-US" smtClean="0"/>
+              <a:rPr lang="en-US"/>
               <a:t>Fifth level</a:t>
             </a:r>
-            <a:endParaRPr lang="en-US"/>
           </a:p>
         </p:txBody>
       </p:sp>
@@ -1347,7 +1336,7 @@
             <a:fld id="{D2EE61F1-8B0D-48C5-AAEC-2EA846F07988}" type="datetimeFigureOut">
               <a:rPr lang="en-US" smtClean="0"/>
               <a:pPr/>
-              <a:t>2/25/2016</a:t>
+              <a:t>5/31/2016</a:t>
             </a:fld>
             <a:endParaRPr lang="en-US"/>
           </a:p>
@@ -1441,10 +1430,9 @@
           </a:lstStyle>
           <a:p>
             <a:r>
-              <a:rPr lang="en-US" smtClean="0"/>
+              <a:rPr lang="en-US"/>
               <a:t>Click to edit Master title style</a:t>
             </a:r>
-            <a:endParaRPr lang="en-US"/>
           </a:p>
         </p:txBody>
       </p:sp>
@@ -1507,7 +1495,7 @@
           <a:p>
             <a:pPr lvl="0"/>
             <a:r>
-              <a:rPr lang="en-US" smtClean="0"/>
+              <a:rPr lang="en-US"/>
               <a:t>Click to edit Master text styles</a:t>
             </a:r>
           </a:p>
@@ -1563,38 +1551,37 @@
           <a:p>
             <a:pPr lvl="0"/>
             <a:r>
-              <a:rPr lang="en-US" smtClean="0"/>
+              <a:rPr lang="en-US"/>
               <a:t>Click to edit Master text styles</a:t>
             </a:r>
           </a:p>
           <a:p>
             <a:pPr lvl="1"/>
             <a:r>
-              <a:rPr lang="en-US" smtClean="0"/>
+              <a:rPr lang="en-US"/>
               <a:t>Second level</a:t>
             </a:r>
           </a:p>
           <a:p>
             <a:pPr lvl="2"/>
             <a:r>
-              <a:rPr lang="en-US" smtClean="0"/>
+              <a:rPr lang="en-US"/>
               <a:t>Third level</a:t>
             </a:r>
           </a:p>
           <a:p>
             <a:pPr lvl="3"/>
             <a:r>
-              <a:rPr lang="en-US" smtClean="0"/>
+              <a:rPr lang="en-US"/>
               <a:t>Fourth level</a:t>
             </a:r>
           </a:p>
           <a:p>
             <a:pPr lvl="4"/>
             <a:r>
-              <a:rPr lang="en-US" smtClean="0"/>
+              <a:rPr lang="en-US"/>
               <a:t>Fifth level</a:t>
             </a:r>
-            <a:endParaRPr lang="en-US"/>
           </a:p>
         </p:txBody>
       </p:sp>
@@ -1657,7 +1644,7 @@
           <a:p>
             <a:pPr lvl="0"/>
             <a:r>
-              <a:rPr lang="en-US" smtClean="0"/>
+              <a:rPr lang="en-US"/>
               <a:t>Click to edit Master text styles</a:t>
             </a:r>
           </a:p>
@@ -1713,38 +1700,37 @@
           <a:p>
             <a:pPr lvl="0"/>
             <a:r>
-              <a:rPr lang="en-US" smtClean="0"/>
+              <a:rPr lang="en-US"/>
               <a:t>Click to edit Master text styles</a:t>
             </a:r>
           </a:p>
           <a:p>
             <a:pPr lvl="1"/>
             <a:r>
-              <a:rPr lang="en-US" smtClean="0"/>
+              <a:rPr lang="en-US"/>
               <a:t>Second level</a:t>
             </a:r>
           </a:p>
           <a:p>
             <a:pPr lvl="2"/>
             <a:r>
-              <a:rPr lang="en-US" smtClean="0"/>
+              <a:rPr lang="en-US"/>
               <a:t>Third level</a:t>
             </a:r>
           </a:p>
           <a:p>
             <a:pPr lvl="3"/>
             <a:r>
-              <a:rPr lang="en-US" smtClean="0"/>
+              <a:rPr lang="en-US"/>
               <a:t>Fourth level</a:t>
             </a:r>
           </a:p>
           <a:p>
             <a:pPr lvl="4"/>
             <a:r>
-              <a:rPr lang="en-US" smtClean="0"/>
+              <a:rPr lang="en-US"/>
               <a:t>Fifth level</a:t>
             </a:r>
-            <a:endParaRPr lang="en-US"/>
           </a:p>
         </p:txBody>
       </p:sp>
@@ -1766,7 +1752,7 @@
             <a:fld id="{D2EE61F1-8B0D-48C5-AAEC-2EA846F07988}" type="datetimeFigureOut">
               <a:rPr lang="en-US" smtClean="0"/>
               <a:pPr/>
-              <a:t>2/25/2016</a:t>
+              <a:t>5/31/2016</a:t>
             </a:fld>
             <a:endParaRPr lang="en-US"/>
           </a:p>
@@ -1856,10 +1842,9 @@
           <a:lstStyle/>
           <a:p>
             <a:r>
-              <a:rPr lang="en-US" smtClean="0"/>
+              <a:rPr lang="en-US"/>
               <a:t>Click to edit Master title style</a:t>
             </a:r>
-            <a:endParaRPr lang="en-US"/>
           </a:p>
         </p:txBody>
       </p:sp>
@@ -1881,7 +1866,7 @@
             <a:fld id="{D2EE61F1-8B0D-48C5-AAEC-2EA846F07988}" type="datetimeFigureOut">
               <a:rPr lang="en-US" smtClean="0"/>
               <a:pPr/>
-              <a:t>2/25/2016</a:t>
+              <a:t>5/31/2016</a:t>
             </a:fld>
             <a:endParaRPr lang="en-US"/>
           </a:p>
@@ -1973,7 +1958,7 @@
             <a:fld id="{D2EE61F1-8B0D-48C5-AAEC-2EA846F07988}" type="datetimeFigureOut">
               <a:rPr lang="en-US" smtClean="0"/>
               <a:pPr/>
-              <a:t>2/25/2016</a:t>
+              <a:t>5/31/2016</a:t>
             </a:fld>
             <a:endParaRPr lang="en-US"/>
           </a:p>
@@ -2072,10 +2057,9 @@
           </a:lstStyle>
           <a:p>
             <a:r>
-              <a:rPr lang="en-US" smtClean="0"/>
+              <a:rPr lang="en-US"/>
               <a:t>Click to edit Master title style</a:t>
             </a:r>
-            <a:endParaRPr lang="en-US"/>
           </a:p>
         </p:txBody>
       </p:sp>
@@ -2129,38 +2113,37 @@
           <a:p>
             <a:pPr lvl="0"/>
             <a:r>
-              <a:rPr lang="en-US" smtClean="0"/>
+              <a:rPr lang="en-US"/>
               <a:t>Click to edit Master text styles</a:t>
             </a:r>
           </a:p>
           <a:p>
             <a:pPr lvl="1"/>
             <a:r>
-              <a:rPr lang="en-US" smtClean="0"/>
+              <a:rPr lang="en-US"/>
               <a:t>Second level</a:t>
             </a:r>
           </a:p>
           <a:p>
             <a:pPr lvl="2"/>
             <a:r>
-              <a:rPr lang="en-US" smtClean="0"/>
+              <a:rPr lang="en-US"/>
               <a:t>Third level</a:t>
             </a:r>
           </a:p>
           <a:p>
             <a:pPr lvl="3"/>
             <a:r>
-              <a:rPr lang="en-US" smtClean="0"/>
+              <a:rPr lang="en-US"/>
               <a:t>Fourth level</a:t>
             </a:r>
           </a:p>
           <a:p>
             <a:pPr lvl="4"/>
             <a:r>
-              <a:rPr lang="en-US" smtClean="0"/>
+              <a:rPr lang="en-US"/>
               <a:t>Fifth level</a:t>
             </a:r>
-            <a:endParaRPr lang="en-US"/>
           </a:p>
         </p:txBody>
       </p:sp>
@@ -2223,7 +2206,7 @@
           <a:p>
             <a:pPr lvl="0"/>
             <a:r>
-              <a:rPr lang="en-US" smtClean="0"/>
+              <a:rPr lang="en-US"/>
               <a:t>Click to edit Master text styles</a:t>
             </a:r>
           </a:p>
@@ -2247,7 +2230,7 @@
             <a:fld id="{D2EE61F1-8B0D-48C5-AAEC-2EA846F07988}" type="datetimeFigureOut">
               <a:rPr lang="en-US" smtClean="0"/>
               <a:pPr/>
-              <a:t>2/25/2016</a:t>
+              <a:t>5/31/2016</a:t>
             </a:fld>
             <a:endParaRPr lang="en-US"/>
           </a:p>
@@ -2346,10 +2329,9 @@
           </a:lstStyle>
           <a:p>
             <a:r>
-              <a:rPr lang="en-US" smtClean="0"/>
+              <a:rPr lang="en-US"/>
               <a:t>Click to edit Master title style</a:t>
             </a:r>
-            <a:endParaRPr lang="en-US"/>
           </a:p>
         </p:txBody>
       </p:sp>
@@ -2473,7 +2455,7 @@
           <a:p>
             <a:pPr lvl="0"/>
             <a:r>
-              <a:rPr lang="en-US" smtClean="0"/>
+              <a:rPr lang="en-US"/>
               <a:t>Click to edit Master text styles</a:t>
             </a:r>
           </a:p>
@@ -2497,7 +2479,7 @@
             <a:fld id="{D2EE61F1-8B0D-48C5-AAEC-2EA846F07988}" type="datetimeFigureOut">
               <a:rPr lang="en-US" smtClean="0"/>
               <a:pPr/>
-              <a:t>2/25/2016</a:t>
+              <a:t>5/31/2016</a:t>
             </a:fld>
             <a:endParaRPr lang="en-US"/>
           </a:p>
@@ -2602,10 +2584,9 @@
           <a:lstStyle/>
           <a:p>
             <a:r>
-              <a:rPr lang="en-US" smtClean="0"/>
+              <a:rPr lang="en-US"/>
               <a:t>Click to edit Master title style</a:t>
             </a:r>
-            <a:endParaRPr lang="en-US"/>
           </a:p>
         </p:txBody>
       </p:sp>
@@ -2636,38 +2617,37 @@
           <a:p>
             <a:pPr lvl="0"/>
             <a:r>
-              <a:rPr lang="en-US" smtClean="0"/>
+              <a:rPr lang="en-US"/>
               <a:t>Click to edit Master text styles</a:t>
             </a:r>
           </a:p>
           <a:p>
             <a:pPr lvl="1"/>
             <a:r>
-              <a:rPr lang="en-US" smtClean="0"/>
+              <a:rPr lang="en-US"/>
               <a:t>Second level</a:t>
             </a:r>
           </a:p>
           <a:p>
             <a:pPr lvl="2"/>
             <a:r>
-              <a:rPr lang="en-US" smtClean="0"/>
+              <a:rPr lang="en-US"/>
               <a:t>Third level</a:t>
             </a:r>
           </a:p>
           <a:p>
             <a:pPr lvl="3"/>
             <a:r>
-              <a:rPr lang="en-US" smtClean="0"/>
+              <a:rPr lang="en-US"/>
               <a:t>Fourth level</a:t>
             </a:r>
           </a:p>
           <a:p>
             <a:pPr lvl="4"/>
             <a:r>
-              <a:rPr lang="en-US" smtClean="0"/>
+              <a:rPr lang="en-US"/>
               <a:t>Fifth level</a:t>
             </a:r>
-            <a:endParaRPr lang="en-US"/>
           </a:p>
         </p:txBody>
       </p:sp>
@@ -2707,7 +2687,7 @@
             <a:fld id="{D2EE61F1-8B0D-48C5-AAEC-2EA846F07988}" type="datetimeFigureOut">
               <a:rPr lang="en-US" smtClean="0"/>
               <a:pPr/>
-              <a:t>2/25/2016</a:t>
+              <a:t>5/31/2016</a:t>
             </a:fld>
             <a:endParaRPr lang="en-US"/>
           </a:p>
@@ -4591,11 +4571,11 @@
           <a:lstStyle/>
           <a:p>
             <a:r>
-              <a:rPr lang="en-US" dirty="0" err="1" smtClean="0"/>
+              <a:rPr lang="en-US" dirty="0" err="1"/>
               <a:t>aa</a:t>
             </a:r>
             <a:r>
-              <a:rPr lang="en-US" dirty="0" smtClean="0">
+              <a:rPr lang="en-US" dirty="0">
                 <a:sym typeface="Wingdings"/>
               </a:rPr>
               <a:t></a:t>
@@ -5148,6 +5128,48 @@
           </p:txBody>
         </p:sp>
       </p:grpSp>
+      <p:sp>
+        <p:nvSpPr>
+          <p:cNvPr id="52" name="Oval 51"/>
+          <p:cNvSpPr/>
+          <p:nvPr/>
+        </p:nvSpPr>
+        <p:spPr>
+          <a:xfrm>
+            <a:off x="4000874" y="4600227"/>
+            <a:ext cx="1905000" cy="1981200"/>
+          </a:xfrm>
+          <a:prstGeom prst="ellipse">
+            <a:avLst/>
+          </a:prstGeom>
+          <a:solidFill>
+            <a:srgbClr val="00B050"/>
+          </a:solidFill>
+          <a:ln/>
+        </p:spPr>
+        <p:style>
+          <a:lnRef idx="0">
+            <a:schemeClr val="accent6"/>
+          </a:lnRef>
+          <a:fillRef idx="3">
+            <a:schemeClr val="accent6"/>
+          </a:fillRef>
+          <a:effectRef idx="3">
+            <a:schemeClr val="accent6"/>
+          </a:effectRef>
+          <a:fontRef idx="minor">
+            <a:schemeClr val="lt1"/>
+          </a:fontRef>
+        </p:style>
+        <p:txBody>
+          <a:bodyPr rtlCol="0" anchor="ctr"/>
+          <a:lstStyle/>
+          <a:p>
+            <a:pPr algn="ctr"/>
+            <a:endParaRPr lang="en-US"/>
+          </a:p>
+        </p:txBody>
+      </p:sp>
     </p:spTree>
   </p:cSld>
   <p:clrMapOvr>
@@ -6393,7 +6415,7 @@
           <a:lstStyle/>
           <a:p>
             <a:r>
-              <a:rPr lang="en-US" dirty="0" smtClean="0">
+              <a:rPr lang="en-US" dirty="0">
                 <a:solidFill>
                   <a:schemeClr val="bg1"/>
                 </a:solidFill>
@@ -6401,12 +6423,6 @@
               </a:rPr>
               <a:t>Thanks</a:t>
             </a:r>
-            <a:endParaRPr lang="en-US" dirty="0">
-              <a:solidFill>
-                <a:schemeClr val="bg1"/>
-              </a:solidFill>
-              <a:latin typeface="Brush Script MT" panose="03060802040406070304" pitchFamily="66" charset="0"/>
-            </a:endParaRPr>
           </a:p>
         </p:txBody>
       </p:sp>
@@ -6514,7 +6530,7 @@
           <a:lstStyle/>
           <a:p>
             <a:r>
-              <a:rPr lang="en-US" dirty="0" smtClean="0">
+              <a:rPr lang="en-US" dirty="0">
                 <a:solidFill>
                   <a:schemeClr val="bg1"/>
                 </a:solidFill>
@@ -6522,12 +6538,6 @@
               </a:rPr>
               <a:t>Thanks</a:t>
             </a:r>
-            <a:endParaRPr lang="en-US" dirty="0">
-              <a:solidFill>
-                <a:schemeClr val="bg1"/>
-              </a:solidFill>
-              <a:latin typeface="Brush Script MT" panose="03060802040406070304" pitchFamily="66" charset="0"/>
-            </a:endParaRPr>
           </a:p>
         </p:txBody>
       </p:sp>
@@ -6746,7 +6756,7 @@
           <a:lstStyle/>
           <a:p>
             <a:r>
-              <a:rPr lang="en-US" sz="6000" dirty="0" smtClean="0">
+              <a:rPr lang="en-US" sz="6000" dirty="0">
                 <a:solidFill>
                   <a:srgbClr val="C00000"/>
                 </a:solidFill>
@@ -6757,7 +6767,7 @@
           </a:p>
           <a:p>
             <a:r>
-              <a:rPr lang="en-US" sz="6000" dirty="0" smtClean="0">
+              <a:rPr lang="en-US" sz="6000" dirty="0">
                 <a:solidFill>
                   <a:srgbClr val="C00000"/>
                 </a:solidFill>
@@ -6768,7 +6778,7 @@
           </a:p>
           <a:p>
             <a:r>
-              <a:rPr lang="en-US" sz="6000" dirty="0" smtClean="0">
+              <a:rPr lang="en-US" sz="6000" dirty="0">
                 <a:solidFill>
                   <a:srgbClr val="C00000"/>
                 </a:solidFill>
@@ -6913,6 +6923,218 @@
     <p:extLst>
       <p:ext uri="{BB962C8B-B14F-4D97-AF65-F5344CB8AC3E}">
         <p14:creationId xmlns:p14="http://schemas.microsoft.com/office/powerpoint/2010/main" val="36938934"/>
+      </p:ext>
+    </p:extLst>
+  </p:cSld>
+  <p:clrMapOvr>
+    <a:masterClrMapping/>
+  </p:clrMapOvr>
+</p:sld>
+</file>
+
+<file path=ppt/slides/slide5.xml><?xml version="1.0" encoding="utf-8"?>
+<p:sld xmlns:a="http://schemas.openxmlformats.org/drawingml/2006/main" xmlns:r="http://schemas.openxmlformats.org/officeDocument/2006/relationships" xmlns:p="http://schemas.openxmlformats.org/presentationml/2006/main">
+  <p:cSld>
+    <p:spTree>
+      <p:nvGrpSpPr>
+        <p:cNvPr id="1" name=""/>
+        <p:cNvGrpSpPr/>
+        <p:nvPr/>
+      </p:nvGrpSpPr>
+      <p:grpSpPr>
+        <a:xfrm>
+          <a:off x="0" y="0"/>
+          <a:ext cx="0" cy="0"/>
+          <a:chOff x="0" y="0"/>
+          <a:chExt cx="0" cy="0"/>
+        </a:xfrm>
+      </p:grpSpPr>
+      <p:sp>
+        <p:nvSpPr>
+          <p:cNvPr id="7" name="Oval 6"/>
+          <p:cNvSpPr/>
+          <p:nvPr/>
+        </p:nvSpPr>
+        <p:spPr>
+          <a:xfrm>
+            <a:off x="4953000" y="1136855"/>
+            <a:ext cx="1353312" cy="1357114"/>
+          </a:xfrm>
+          <a:prstGeom prst="ellipse">
+            <a:avLst/>
+          </a:prstGeom>
+          <a:blipFill>
+            <a:blip r:embed="rId2"/>
+            <a:stretch>
+              <a:fillRect/>
+            </a:stretch>
+          </a:blipFill>
+          <a:ln/>
+        </p:spPr>
+        <p:style>
+          <a:lnRef idx="0">
+            <a:schemeClr val="accent6"/>
+          </a:lnRef>
+          <a:fillRef idx="3">
+            <a:schemeClr val="accent6"/>
+          </a:fillRef>
+          <a:effectRef idx="3">
+            <a:schemeClr val="accent6"/>
+          </a:effectRef>
+          <a:fontRef idx="minor">
+            <a:schemeClr val="lt1"/>
+          </a:fontRef>
+        </p:style>
+        <p:txBody>
+          <a:bodyPr rtlCol="0" anchor="ctr"/>
+          <a:lstStyle/>
+          <a:p>
+            <a:pPr algn="ctr"/>
+            <a:endParaRPr lang="en-US"/>
+          </a:p>
+        </p:txBody>
+      </p:sp>
+      <p:sp>
+        <p:nvSpPr>
+          <p:cNvPr id="8" name="Oval 7"/>
+          <p:cNvSpPr/>
+          <p:nvPr/>
+        </p:nvSpPr>
+        <p:spPr>
+          <a:xfrm>
+            <a:off x="1447800" y="2868168"/>
+            <a:ext cx="1353312" cy="1357114"/>
+          </a:xfrm>
+          <a:prstGeom prst="ellipse">
+            <a:avLst/>
+          </a:prstGeom>
+          <a:blipFill>
+            <a:blip r:embed="rId3"/>
+            <a:stretch>
+              <a:fillRect/>
+            </a:stretch>
+          </a:blipFill>
+          <a:ln/>
+        </p:spPr>
+        <p:style>
+          <a:lnRef idx="0">
+            <a:schemeClr val="accent6"/>
+          </a:lnRef>
+          <a:fillRef idx="3">
+            <a:schemeClr val="accent6"/>
+          </a:fillRef>
+          <a:effectRef idx="3">
+            <a:schemeClr val="accent6"/>
+          </a:effectRef>
+          <a:fontRef idx="minor">
+            <a:schemeClr val="lt1"/>
+          </a:fontRef>
+        </p:style>
+        <p:txBody>
+          <a:bodyPr rtlCol="0" anchor="ctr"/>
+          <a:lstStyle/>
+          <a:p>
+            <a:pPr algn="ctr"/>
+            <a:endParaRPr lang="en-US"/>
+          </a:p>
+        </p:txBody>
+      </p:sp>
+      <p:sp>
+        <p:nvSpPr>
+          <p:cNvPr id="9" name="Oval 8"/>
+          <p:cNvSpPr/>
+          <p:nvPr/>
+        </p:nvSpPr>
+        <p:spPr>
+          <a:xfrm>
+            <a:off x="4953000" y="2868168"/>
+            <a:ext cx="1353312" cy="1357114"/>
+          </a:xfrm>
+          <a:prstGeom prst="ellipse">
+            <a:avLst/>
+          </a:prstGeom>
+          <a:blipFill dpi="0" rotWithShape="1">
+            <a:blip r:embed="rId4"/>
+            <a:srcRect/>
+            <a:stretch>
+              <a:fillRect l="-8000" t="-9000" r="-9000" b="-9000"/>
+            </a:stretch>
+          </a:blipFill>
+          <a:ln/>
+        </p:spPr>
+        <p:style>
+          <a:lnRef idx="0">
+            <a:schemeClr val="accent6"/>
+          </a:lnRef>
+          <a:fillRef idx="3">
+            <a:schemeClr val="accent6"/>
+          </a:fillRef>
+          <a:effectRef idx="3">
+            <a:schemeClr val="accent6"/>
+          </a:effectRef>
+          <a:fontRef idx="minor">
+            <a:schemeClr val="lt1"/>
+          </a:fontRef>
+        </p:style>
+        <p:txBody>
+          <a:bodyPr rtlCol="0" anchor="ctr"/>
+          <a:lstStyle/>
+          <a:p>
+            <a:pPr algn="ctr"/>
+            <a:endParaRPr lang="en-US"/>
+          </a:p>
+        </p:txBody>
+      </p:sp>
+      <p:sp>
+        <p:nvSpPr>
+          <p:cNvPr id="12" name="Oval 11"/>
+          <p:cNvSpPr/>
+          <p:nvPr/>
+        </p:nvSpPr>
+        <p:spPr>
+          <a:xfrm>
+            <a:off x="1447800" y="1136855"/>
+            <a:ext cx="1353312" cy="1357114"/>
+          </a:xfrm>
+          <a:prstGeom prst="ellipse">
+            <a:avLst/>
+          </a:prstGeom>
+          <a:blipFill dpi="0" rotWithShape="1">
+            <a:blip r:embed="rId5"/>
+            <a:srcRect/>
+            <a:stretch>
+              <a:fillRect l="-4000" t="-4000" r="-4000" b="-4000"/>
+            </a:stretch>
+          </a:blipFill>
+          <a:ln/>
+        </p:spPr>
+        <p:style>
+          <a:lnRef idx="0">
+            <a:schemeClr val="accent6"/>
+          </a:lnRef>
+          <a:fillRef idx="3">
+            <a:schemeClr val="accent6"/>
+          </a:fillRef>
+          <a:effectRef idx="3">
+            <a:schemeClr val="accent6"/>
+          </a:effectRef>
+          <a:fontRef idx="minor">
+            <a:schemeClr val="lt1"/>
+          </a:fontRef>
+        </p:style>
+        <p:txBody>
+          <a:bodyPr rtlCol="0" anchor="ctr"/>
+          <a:lstStyle/>
+          <a:p>
+            <a:pPr algn="ctr"/>
+            <a:endParaRPr lang="en-US"/>
+          </a:p>
+        </p:txBody>
+      </p:sp>
+    </p:spTree>
+    <p:extLst>
+      <p:ext uri="{BB962C8B-B14F-4D97-AF65-F5344CB8AC3E}">
+        <p14:creationId xmlns:p14="http://schemas.microsoft.com/office/powerpoint/2010/main" val="1181749904"/>
       </p:ext>
     </p:extLst>
   </p:cSld>
